--- a/Advanced Web Technologies/Database Concepts/Session1.pptx
+++ b/Advanced Web Technologies/Database Concepts/Session1.pptx
@@ -5,10 +5,10 @@
     <p:sldMasterId id="2147483666" r:id="rId1"/>
   </p:sldMasterIdLst>
   <p:notesMasterIdLst>
-    <p:notesMasterId r:id="rId23"/>
+    <p:notesMasterId r:id="rId26"/>
   </p:notesMasterIdLst>
   <p:handoutMasterIdLst>
-    <p:handoutMasterId r:id="rId24"/>
+    <p:handoutMasterId r:id="rId27"/>
   </p:handoutMasterIdLst>
   <p:sldIdLst>
     <p:sldId id="281" r:id="rId2"/>
@@ -16,22 +16,25 @@
     <p:sldId id="259" r:id="rId4"/>
     <p:sldId id="261" r:id="rId5"/>
     <p:sldId id="262" r:id="rId6"/>
-    <p:sldId id="260" r:id="rId7"/>
-    <p:sldId id="264" r:id="rId8"/>
-    <p:sldId id="265" r:id="rId9"/>
-    <p:sldId id="269" r:id="rId10"/>
-    <p:sldId id="266" r:id="rId11"/>
-    <p:sldId id="270" r:id="rId12"/>
-    <p:sldId id="268" r:id="rId13"/>
-    <p:sldId id="271" r:id="rId14"/>
-    <p:sldId id="272" r:id="rId15"/>
-    <p:sldId id="273" r:id="rId16"/>
-    <p:sldId id="280" r:id="rId17"/>
-    <p:sldId id="274" r:id="rId18"/>
-    <p:sldId id="278" r:id="rId19"/>
-    <p:sldId id="275" r:id="rId20"/>
-    <p:sldId id="276" r:id="rId21"/>
-    <p:sldId id="277" r:id="rId22"/>
+    <p:sldId id="282" r:id="rId7"/>
+    <p:sldId id="260" r:id="rId8"/>
+    <p:sldId id="283" r:id="rId9"/>
+    <p:sldId id="286" r:id="rId10"/>
+    <p:sldId id="284" r:id="rId11"/>
+    <p:sldId id="285" r:id="rId12"/>
+    <p:sldId id="287" r:id="rId13"/>
+    <p:sldId id="264" r:id="rId14"/>
+    <p:sldId id="290" r:id="rId15"/>
+    <p:sldId id="291" r:id="rId16"/>
+    <p:sldId id="288" r:id="rId17"/>
+    <p:sldId id="292" r:id="rId18"/>
+    <p:sldId id="265" r:id="rId19"/>
+    <p:sldId id="269" r:id="rId20"/>
+    <p:sldId id="266" r:id="rId21"/>
+    <p:sldId id="270" r:id="rId22"/>
+    <p:sldId id="293" r:id="rId23"/>
+    <p:sldId id="294" r:id="rId24"/>
+    <p:sldId id="295" r:id="rId25"/>
   </p:sldIdLst>
   <p:sldSz cx="9144000" cy="6858000" type="screen4x3"/>
   <p:notesSz cx="6858000" cy="9144000"/>
@@ -231,7 +234,7 @@
           <a:p>
             <a:fld id="{696C064A-D61B-4B21-B757-51A9B82445B8}" type="datetimeFigureOut">
               <a:rPr lang="en-US" smtClean="0"/>
-              <a:t>10/14/2019</a:t>
+              <a:t>10/15/2019</a:t>
             </a:fld>
             <a:endParaRPr lang="en-US"/>
           </a:p>
@@ -391,7 +394,7 @@
           <a:p>
             <a:fld id="{3EFD42F7-718C-4B98-AAEC-167E6DDD60A7}" type="datetimeFigureOut">
               <a:rPr lang="en-US" smtClean="0"/>
-              <a:t>10/14/2019</a:t>
+              <a:t>10/15/2019</a:t>
             </a:fld>
             <a:endParaRPr lang="en-US"/>
           </a:p>
@@ -1947,7 +1950,7 @@
           <a:p>
             <a:fld id="{31E38928-F05B-4C42-9226-61EDCAAB8EFB}" type="datetime1">
               <a:rPr lang="en-US" smtClean="0"/>
-              <a:t>10/14/2019</a:t>
+              <a:t>10/15/2019</a:t>
             </a:fld>
             <a:endParaRPr lang="en-US"/>
           </a:p>
@@ -3002,6 +3005,9 @@
           <a:lstStyle>
             <a:lvl1pPr>
               <a:defRPr>
+                <a:solidFill>
+                  <a:srgbClr val="002060"/>
+                </a:solidFill>
                 <a:latin typeface="Cambria" panose="02040503050406030204" pitchFamily="18" charset="0"/>
                 <a:ea typeface="Cambria" panose="02040503050406030204" pitchFamily="18" charset="0"/>
                 <a:cs typeface="Arial" panose="020B0604020202020204" pitchFamily="34" charset="0"/>
@@ -3010,7 +3016,7 @@
           </a:lstStyle>
           <a:p>
             <a:r>
-              <a:rPr lang="en-US" smtClean="0"/>
+              <a:rPr lang="en-US" dirty="0" smtClean="0"/>
               <a:t>Click to edit Master title style</a:t>
             </a:r>
             <a:endParaRPr lang="en-US" dirty="0"/>
@@ -3036,35 +3042,35 @@
         <p:txBody>
           <a:bodyPr/>
           <a:lstStyle>
-            <a:lvl1pPr>
+            <a:lvl1pPr algn="just">
               <a:defRPr>
                 <a:latin typeface="Cambria" panose="02040503050406030204" pitchFamily="18" charset="0"/>
                 <a:ea typeface="Cambria" panose="02040503050406030204" pitchFamily="18" charset="0"/>
                 <a:cs typeface="Arial" panose="020B0604020202020204" pitchFamily="34" charset="0"/>
               </a:defRPr>
             </a:lvl1pPr>
-            <a:lvl2pPr>
+            <a:lvl2pPr algn="just">
               <a:defRPr>
                 <a:latin typeface="Cambria" panose="02040503050406030204" pitchFamily="18" charset="0"/>
                 <a:ea typeface="Cambria" panose="02040503050406030204" pitchFamily="18" charset="0"/>
                 <a:cs typeface="Arial" panose="020B0604020202020204" pitchFamily="34" charset="0"/>
               </a:defRPr>
             </a:lvl2pPr>
-            <a:lvl3pPr>
+            <a:lvl3pPr algn="just">
               <a:defRPr>
                 <a:latin typeface="Cambria" panose="02040503050406030204" pitchFamily="18" charset="0"/>
                 <a:ea typeface="Cambria" panose="02040503050406030204" pitchFamily="18" charset="0"/>
                 <a:cs typeface="Arial" panose="020B0604020202020204" pitchFamily="34" charset="0"/>
               </a:defRPr>
             </a:lvl3pPr>
-            <a:lvl4pPr>
+            <a:lvl4pPr algn="just">
               <a:defRPr>
                 <a:latin typeface="Cambria" panose="02040503050406030204" pitchFamily="18" charset="0"/>
                 <a:ea typeface="Cambria" panose="02040503050406030204" pitchFamily="18" charset="0"/>
                 <a:cs typeface="Arial" panose="020B0604020202020204" pitchFamily="34" charset="0"/>
               </a:defRPr>
             </a:lvl4pPr>
-            <a:lvl5pPr>
+            <a:lvl5pPr algn="just">
               <a:defRPr>
                 <a:latin typeface="Cambria" panose="02040503050406030204" pitchFamily="18" charset="0"/>
                 <a:ea typeface="Cambria" panose="02040503050406030204" pitchFamily="18" charset="0"/>
@@ -3075,35 +3081,35 @@
           <a:p>
             <a:pPr lvl="0"/>
             <a:r>
-              <a:rPr lang="en-US" smtClean="0"/>
+              <a:rPr lang="en-US" dirty="0" smtClean="0"/>
               <a:t>Edit Master text styles</a:t>
             </a:r>
           </a:p>
           <a:p>
             <a:pPr lvl="1"/>
             <a:r>
-              <a:rPr lang="en-US" smtClean="0"/>
+              <a:rPr lang="en-US" dirty="0" smtClean="0"/>
               <a:t>Second level</a:t>
             </a:r>
           </a:p>
           <a:p>
             <a:pPr lvl="2"/>
             <a:r>
-              <a:rPr lang="en-US" smtClean="0"/>
+              <a:rPr lang="en-US" dirty="0" smtClean="0"/>
               <a:t>Third level</a:t>
             </a:r>
           </a:p>
           <a:p>
             <a:pPr lvl="3"/>
             <a:r>
-              <a:rPr lang="en-US" smtClean="0"/>
+              <a:rPr lang="en-US" dirty="0" smtClean="0"/>
               <a:t>Fourth level</a:t>
             </a:r>
           </a:p>
           <a:p>
             <a:pPr lvl="4"/>
             <a:r>
-              <a:rPr lang="en-US" smtClean="0"/>
+              <a:rPr lang="en-US" dirty="0" smtClean="0"/>
               <a:t>Fifth level</a:t>
             </a:r>
             <a:endParaRPr lang="en-US" dirty="0"/>
@@ -5289,127 +5295,189 @@
             <p:ph type="title"/>
           </p:nvPr>
         </p:nvSpPr>
-        <p:spPr>
-          <a:xfrm>
-            <a:off x="685799" y="245745"/>
-            <a:ext cx="7268845" cy="516255"/>
-          </a:xfrm>
-        </p:spPr>
+        <p:spPr/>
+        <p:txBody>
+          <a:bodyPr/>
+          <a:lstStyle/>
+          <a:p>
+            <a:r>
+              <a:rPr lang="en-IN" dirty="0"/>
+              <a:t> </a:t>
+            </a:r>
+            <a:r>
+              <a:rPr lang="en-IN" dirty="0" smtClean="0"/>
+              <a:t>Data </a:t>
+            </a:r>
+            <a:r>
+              <a:rPr lang="en-IN" dirty="0"/>
+              <a:t>A</a:t>
+            </a:r>
+            <a:r>
+              <a:rPr lang="en-IN" dirty="0" smtClean="0"/>
+              <a:t>bstraction</a:t>
+            </a:r>
+            <a:endParaRPr lang="en-IN" dirty="0"/>
+          </a:p>
+        </p:txBody>
+      </p:sp>
+      <p:sp>
+        <p:nvSpPr>
+          <p:cNvPr id="3" name="Content Placeholder 2"/>
+          <p:cNvSpPr>
+            <a:spLocks noGrp="1"/>
+          </p:cNvSpPr>
+          <p:nvPr>
+            <p:ph idx="1"/>
+          </p:nvPr>
+        </p:nvSpPr>
+        <p:spPr/>
         <p:txBody>
           <a:bodyPr>
-            <a:normAutofit fontScale="90000"/>
+            <a:normAutofit fontScale="92500"/>
           </a:bodyPr>
           <a:lstStyle/>
           <a:p>
-            <a:r>
-              <a:rPr lang="en-IN" sz="3200" dirty="0">
-                <a:latin typeface="+mn-lt"/>
-                <a:cs typeface="+mn-lt"/>
-                <a:sym typeface="+mn-ea"/>
-              </a:rPr>
-              <a:t>Network Model</a:t>
-            </a:r>
-          </a:p>
-        </p:txBody>
-      </p:sp>
-      <p:sp>
-        <p:nvSpPr>
-          <p:cNvPr id="3" name="Content Placeholder 2"/>
-          <p:cNvSpPr>
-            <a:spLocks noGrp="1"/>
-          </p:cNvSpPr>
-          <p:nvPr>
-            <p:ph idx="1"/>
-          </p:nvPr>
-        </p:nvSpPr>
-        <p:spPr>
-          <a:xfrm>
-            <a:off x="535305" y="1511300"/>
-            <a:ext cx="8185150" cy="5052060"/>
-          </a:xfrm>
-        </p:spPr>
-        <p:txBody>
-          <a:bodyPr/>
-          <a:lstStyle/>
-          <a:p>
-            <a:pPr algn="just">
-              <a:lnSpc>
-                <a:spcPct val="120000"/>
-              </a:lnSpc>
+            <a:pPr>
+              <a:buFont typeface="Wingdings" panose="05000000000000000000" pitchFamily="2" charset="2"/>
+              <a:buChar char="Ø"/>
             </a:pPr>
             <a:r>
-              <a:rPr lang="en-US" altLang="en-IN" sz="2400" dirty="0" smtClean="0">
-                <a:latin typeface="+mn-lt"/>
-                <a:cs typeface="+mn-lt"/>
-              </a:rPr>
-              <a:t>O</a:t>
-            </a:r>
-            <a:r>
-              <a:rPr lang="en-IN" sz="2400" dirty="0" smtClean="0">
-                <a:latin typeface="+mn-lt"/>
-                <a:cs typeface="+mn-lt"/>
-              </a:rPr>
-              <a:t>rganises data a more like a graph, and are allowed to have more than one parent node.</a:t>
-            </a:r>
-          </a:p>
-          <a:p>
-            <a:pPr algn="just">
-              <a:lnSpc>
-                <a:spcPct val="120000"/>
-              </a:lnSpc>
+              <a:rPr lang="en-US" dirty="0"/>
+              <a:t>A</a:t>
+            </a:r>
+            <a:r>
+              <a:rPr lang="en-US" dirty="0" smtClean="0"/>
+              <a:t>chieving </a:t>
+            </a:r>
+            <a:r>
+              <a:rPr lang="en-US" dirty="0"/>
+              <a:t>data independence in order to save time and cost </a:t>
+            </a:r>
+            <a:r>
+              <a:rPr lang="en-US" dirty="0" smtClean="0"/>
+              <a:t>required </a:t>
+            </a:r>
+            <a:r>
+              <a:rPr lang="en-US" dirty="0"/>
+              <a:t>when the database is modified or altered</a:t>
+            </a:r>
+            <a:r>
+              <a:rPr lang="en-US" dirty="0" smtClean="0"/>
+              <a:t>.</a:t>
+            </a:r>
+          </a:p>
+          <a:p>
+            <a:pPr>
+              <a:buFont typeface="Wingdings" panose="05000000000000000000" pitchFamily="2" charset="2"/>
+              <a:buChar char="§"/>
             </a:pPr>
             <a:r>
-              <a:rPr lang="en-IN" sz="2400" dirty="0" smtClean="0">
-                <a:latin typeface="+mn-lt"/>
-                <a:cs typeface="+mn-lt"/>
-              </a:rPr>
-              <a:t>data is more related as more relationships are established in this database model. </a:t>
-            </a:r>
-          </a:p>
-          <a:p>
-            <a:pPr algn="just">
-              <a:lnSpc>
-                <a:spcPct val="120000"/>
-              </a:lnSpc>
+              <a:rPr lang="en-IN" b="1" dirty="0"/>
+              <a:t>Physical level data independence</a:t>
+            </a:r>
+            <a:r>
+              <a:rPr lang="en-IN" dirty="0"/>
+              <a:t> </a:t>
+            </a:r>
+            <a:r>
+              <a:rPr lang="en-IN" dirty="0" smtClean="0"/>
+              <a:t>: </a:t>
+            </a:r>
+            <a:r>
+              <a:rPr lang="en-US" dirty="0"/>
+              <a:t>able to modify the physical schema without any alterations to the conceptual or logical </a:t>
+            </a:r>
+            <a:r>
+              <a:rPr lang="en-US" dirty="0" smtClean="0"/>
+              <a:t>schema</a:t>
+            </a:r>
+          </a:p>
+          <a:p>
+            <a:pPr lvl="1">
+              <a:buFont typeface="Wingdings" panose="05000000000000000000" pitchFamily="2" charset="2"/>
+              <a:buChar char="§"/>
             </a:pPr>
             <a:r>
-              <a:rPr lang="en-IN" sz="2400" dirty="0" smtClean="0">
-                <a:latin typeface="+mn-lt"/>
-                <a:cs typeface="+mn-lt"/>
-                <a:sym typeface="+mn-ea"/>
-              </a:rPr>
-              <a:t>many-to-many relationships between linked records</a:t>
-            </a:r>
-            <a:endParaRPr lang="en-IN" sz="2400" dirty="0" smtClean="0">
-              <a:latin typeface="+mn-lt"/>
-              <a:cs typeface="+mn-lt"/>
-            </a:endParaRPr>
-          </a:p>
-          <a:p>
-            <a:pPr algn="just">
-              <a:lnSpc>
-                <a:spcPct val="120000"/>
-              </a:lnSpc>
+              <a:rPr lang="en-US" dirty="0" smtClean="0"/>
+              <a:t>Conceptual </a:t>
+            </a:r>
+            <a:r>
+              <a:rPr lang="en-US" dirty="0"/>
+              <a:t>structure of the database would not be affected by any change in storage size of the database system server. </a:t>
+            </a:r>
+            <a:endParaRPr lang="en-US" dirty="0" smtClean="0"/>
+          </a:p>
+          <a:p>
+            <a:pPr lvl="1">
+              <a:buFont typeface="Wingdings" panose="05000000000000000000" pitchFamily="2" charset="2"/>
+              <a:buChar char="§"/>
             </a:pPr>
-            <a:endParaRPr lang="en-IN" sz="2400" dirty="0" smtClean="0">
-              <a:latin typeface="+mn-lt"/>
-              <a:cs typeface="+mn-lt"/>
-            </a:endParaRPr>
-          </a:p>
-          <a:p>
-            <a:pPr algn="just">
-              <a:lnSpc>
-                <a:spcPct val="120000"/>
-              </a:lnSpc>
+            <a:r>
+              <a:rPr lang="en-US" dirty="0" smtClean="0"/>
+              <a:t>Changing </a:t>
+            </a:r>
+            <a:r>
+              <a:rPr lang="en-US" dirty="0"/>
+              <a:t>from sequential to random access files is one such example</a:t>
+            </a:r>
+            <a:endParaRPr lang="en-IN" dirty="0" smtClean="0"/>
+          </a:p>
+          <a:p>
+            <a:pPr>
+              <a:buFont typeface="Wingdings" panose="05000000000000000000" pitchFamily="2" charset="2"/>
+              <a:buChar char="§"/>
             </a:pPr>
-            <a:endParaRPr lang="en-IN" sz="2400" dirty="0" smtClean="0">
-              <a:latin typeface="+mn-lt"/>
-              <a:cs typeface="+mn-lt"/>
-            </a:endParaRPr>
+            <a:r>
+              <a:rPr lang="en-IN" b="1" dirty="0"/>
+              <a:t>Logical level data </a:t>
+            </a:r>
+            <a:r>
+              <a:rPr lang="en-IN" b="1" dirty="0" smtClean="0"/>
+              <a:t>independence : </a:t>
+            </a:r>
+            <a:r>
+              <a:rPr lang="en-US" dirty="0"/>
+              <a:t>able to modify the logical schema without affecting the external schema or application </a:t>
+            </a:r>
+            <a:r>
+              <a:rPr lang="en-US" dirty="0" smtClean="0"/>
+              <a:t>program</a:t>
+            </a:r>
+          </a:p>
+          <a:p>
+            <a:pPr lvl="1">
+              <a:buFont typeface="Wingdings" panose="05000000000000000000" pitchFamily="2" charset="2"/>
+              <a:buChar char="§"/>
+            </a:pPr>
+            <a:r>
+              <a:rPr lang="en-US" dirty="0"/>
+              <a:t>These changes may include insertion or deletion of attributes, </a:t>
+            </a:r>
+            <a:endParaRPr lang="en-US" dirty="0" smtClean="0"/>
+          </a:p>
+          <a:p>
+            <a:pPr lvl="1">
+              <a:buFont typeface="Wingdings" panose="05000000000000000000" pitchFamily="2" charset="2"/>
+              <a:buChar char="§"/>
+            </a:pPr>
+            <a:r>
+              <a:rPr lang="en-US" dirty="0" smtClean="0"/>
+              <a:t>altering </a:t>
+            </a:r>
+            <a:r>
+              <a:rPr lang="en-US" dirty="0"/>
+              <a:t>table structures entities or relationships to the logical schema etc.</a:t>
+            </a:r>
+            <a:endParaRPr lang="en-IN" dirty="0"/>
           </a:p>
         </p:txBody>
       </p:sp>
     </p:spTree>
+    <p:extLst>
+      <p:ext uri="{BB962C8B-B14F-4D97-AF65-F5344CB8AC3E}">
+        <p14:creationId xmlns:p14="http://schemas.microsoft.com/office/powerpoint/2010/main" val="4173769266"/>
+      </p:ext>
+    </p:extLst>
   </p:cSld>
   <p:clrMapOvr>
     <a:masterClrMapping/>
@@ -5451,56 +5519,172 @@
             <p:ph type="title"/>
           </p:nvPr>
         </p:nvSpPr>
-        <p:spPr>
-          <a:xfrm>
-            <a:off x="990599" y="245745"/>
-            <a:ext cx="6964045" cy="516255"/>
-          </a:xfrm>
-        </p:spPr>
-        <p:txBody>
-          <a:bodyPr>
-            <a:normAutofit fontScale="90000"/>
-          </a:bodyPr>
-          <a:lstStyle/>
-          <a:p>
-            <a:r>
-              <a:rPr lang="en-IN" sz="3200" dirty="0">
-                <a:latin typeface="+mn-lt"/>
-                <a:cs typeface="+mn-lt"/>
-                <a:sym typeface="+mn-ea"/>
-              </a:rPr>
-              <a:t>Network Model</a:t>
+        <p:spPr/>
+        <p:txBody>
+          <a:bodyPr/>
+          <a:lstStyle/>
+          <a:p>
+            <a:r>
+              <a:rPr lang="en-IN" dirty="0"/>
+              <a:t>Schema and Instance</a:t>
+            </a:r>
+          </a:p>
+        </p:txBody>
+      </p:sp>
+      <p:sp>
+        <p:nvSpPr>
+          <p:cNvPr id="3" name="Content Placeholder 2"/>
+          <p:cNvSpPr>
+            <a:spLocks noGrp="1"/>
+          </p:cNvSpPr>
+          <p:nvPr>
+            <p:ph idx="1"/>
+          </p:nvPr>
+        </p:nvSpPr>
+        <p:spPr>
+          <a:xfrm>
+            <a:off x="457200" y="609600"/>
+            <a:ext cx="5772150" cy="5867400"/>
+          </a:xfrm>
+        </p:spPr>
+        <p:txBody>
+          <a:bodyPr/>
+          <a:lstStyle/>
+          <a:p>
+            <a:pPr marL="457200" lvl="1" indent="0">
+              <a:lnSpc>
+                <a:spcPct val="100000"/>
+              </a:lnSpc>
+              <a:buNone/>
+            </a:pPr>
+            <a:endParaRPr lang="en-IN" b="1" dirty="0" smtClean="0"/>
+          </a:p>
+          <a:p>
+            <a:pPr lvl="1">
+              <a:lnSpc>
+                <a:spcPct val="100000"/>
+              </a:lnSpc>
+            </a:pPr>
+            <a:r>
+              <a:rPr lang="en-IN" b="1" dirty="0" smtClean="0"/>
+              <a:t>Logical </a:t>
+            </a:r>
+            <a:r>
+              <a:rPr lang="en-IN" b="1" dirty="0"/>
+              <a:t>schema </a:t>
+            </a:r>
+            <a:r>
+              <a:rPr lang="en-IN" dirty="0"/>
+              <a:t>: logical structure of the data it is a way a certain data needs to be organized, it is a plan for organizing data</a:t>
+            </a:r>
+            <a:r>
+              <a:rPr lang="en-IN" dirty="0" smtClean="0"/>
+              <a:t>.</a:t>
+            </a:r>
+          </a:p>
+          <a:p>
+            <a:pPr lvl="1">
+              <a:lnSpc>
+                <a:spcPct val="100000"/>
+              </a:lnSpc>
+            </a:pPr>
+            <a:r>
+              <a:rPr lang="en-IN" b="1" dirty="0"/>
+              <a:t>P</a:t>
+            </a:r>
+            <a:r>
+              <a:rPr lang="en-IN" b="1" dirty="0" smtClean="0"/>
+              <a:t>hysical </a:t>
+            </a:r>
+            <a:r>
+              <a:rPr lang="en-IN" b="1" dirty="0"/>
+              <a:t>schema</a:t>
+            </a:r>
+            <a:r>
+              <a:rPr lang="en-IN" dirty="0"/>
+              <a:t>:  which tells actually how the data is physically organized in the database, what are the different database files, how they are </a:t>
+            </a:r>
+            <a:r>
+              <a:rPr lang="en-IN" dirty="0" smtClean="0"/>
+              <a:t>indexed</a:t>
+            </a:r>
+          </a:p>
+          <a:p>
+            <a:pPr marL="228600" lvl="1">
+              <a:lnSpc>
+                <a:spcPct val="100000"/>
+              </a:lnSpc>
+              <a:spcBef>
+                <a:spcPts val="1000"/>
+              </a:spcBef>
+            </a:pPr>
+            <a:r>
+              <a:rPr lang="en-IN" dirty="0"/>
+              <a:t>All these information which we can say is kind of a metadata information So, this schematic or this metadata is called the </a:t>
+            </a:r>
+            <a:r>
+              <a:rPr lang="en-IN" b="1" dirty="0" smtClean="0"/>
+              <a:t>Schema</a:t>
+            </a:r>
+            <a:r>
+              <a:rPr lang="en-IN" dirty="0" smtClean="0"/>
+              <a:t> </a:t>
+            </a:r>
+            <a:r>
+              <a:rPr lang="en-IN" dirty="0"/>
+              <a:t>of a </a:t>
+            </a:r>
+            <a:r>
+              <a:rPr lang="en-IN" dirty="0" smtClean="0"/>
+              <a:t>database</a:t>
+            </a:r>
+            <a:endParaRPr lang="en-IN" b="1" dirty="0" smtClean="0"/>
+          </a:p>
+          <a:p>
+            <a:pPr>
+              <a:lnSpc>
+                <a:spcPct val="100000"/>
+              </a:lnSpc>
+            </a:pPr>
+            <a:r>
+              <a:rPr lang="en-IN" b="1" dirty="0" smtClean="0"/>
+              <a:t>Instance</a:t>
+            </a:r>
+            <a:r>
+              <a:rPr lang="en-IN" dirty="0" smtClean="0"/>
+              <a:t> </a:t>
+            </a:r>
+            <a:r>
+              <a:rPr lang="en-IN" dirty="0"/>
+              <a:t>: actual content of the database at any point of time.</a:t>
             </a:r>
           </a:p>
         </p:txBody>
       </p:sp>
       <p:pic>
         <p:nvPicPr>
-          <p:cNvPr id="5" name="Content Placeholder 4" descr="/media/jishnu/CC405AEC405ADCB0/Repositories/Training-Materials/Database Technologies/Raw Sources/network-model.svgnetwork-model"/>
+          <p:cNvPr id="4" name="Picture 3"/>
           <p:cNvPicPr>
-            <a:picLocks noGrp="1" noChangeAspect="1"/>
+            <a:picLocks noChangeAspect="1"/>
           </p:cNvPicPr>
-          <p:nvPr>
-            <p:ph idx="1"/>
-          </p:nvPr>
+          <p:nvPr/>
         </p:nvPicPr>
         <p:blipFill>
           <a:blip r:embed="rId2">
             <a:extLst>
-              <a:ext uri="{96DAC541-7B7A-43D3-8B79-37D633B846F1}">
-                <asvg:svgBlip xmlns="" xmlns:asvg="http://schemas.microsoft.com/office/drawing/2016/SVG/main" r:embed="rId3"/>
+              <a:ext uri="{28A0092B-C50C-407E-A947-70E740481C1C}">
+                <a14:useLocalDpi xmlns:a14="http://schemas.microsoft.com/office/drawing/2010/main" val="0"/>
               </a:ext>
             </a:extLst>
           </a:blip>
-          <a:srcRect/>
           <a:stretch>
             <a:fillRect/>
           </a:stretch>
         </p:blipFill>
         <p:spPr>
           <a:xfrm>
-            <a:off x="1605915" y="1388745"/>
-            <a:ext cx="5389245" cy="5006340"/>
+            <a:off x="6210300" y="2667000"/>
+            <a:ext cx="2933700" cy="1466850"/>
           </a:xfrm>
           <a:prstGeom prst="rect">
             <a:avLst/>
@@ -5508,6 +5692,11 @@
         </p:spPr>
       </p:pic>
     </p:spTree>
+    <p:extLst>
+      <p:ext uri="{BB962C8B-B14F-4D97-AF65-F5344CB8AC3E}">
+        <p14:creationId xmlns:p14="http://schemas.microsoft.com/office/powerpoint/2010/main" val="3050205247"/>
+      </p:ext>
+    </p:extLst>
   </p:cSld>
   <p:clrMapOvr>
     <a:masterClrMapping/>
@@ -5549,130 +5738,53 @@
             <p:ph type="title"/>
           </p:nvPr>
         </p:nvSpPr>
-        <p:spPr>
-          <a:xfrm>
-            <a:off x="914399" y="245745"/>
-            <a:ext cx="7040245" cy="440055"/>
-          </a:xfrm>
-        </p:spPr>
-        <p:txBody>
-          <a:bodyPr>
-            <a:normAutofit fontScale="90000"/>
-          </a:bodyPr>
-          <a:lstStyle/>
-          <a:p>
-            <a:r>
-              <a:rPr lang="" altLang="en-IN" sz="3200" dirty="0">
-                <a:latin typeface="+mn-lt"/>
-                <a:cs typeface="+mn-lt"/>
-                <a:sym typeface="+mn-ea"/>
-              </a:rPr>
-              <a:t>Relational </a:t>
-            </a:r>
-            <a:r>
-              <a:rPr lang="en-IN" sz="3200" dirty="0">
-                <a:latin typeface="+mn-lt"/>
-                <a:cs typeface="+mn-lt"/>
-                <a:sym typeface="+mn-ea"/>
-              </a:rPr>
-              <a:t>Model</a:t>
-            </a:r>
-          </a:p>
-        </p:txBody>
-      </p:sp>
-      <p:sp>
-        <p:nvSpPr>
-          <p:cNvPr id="3" name="Content Placeholder 2"/>
-          <p:cNvSpPr>
-            <a:spLocks noGrp="1"/>
-          </p:cNvSpPr>
+        <p:spPr/>
+        <p:txBody>
+          <a:bodyPr/>
+          <a:lstStyle/>
+          <a:p>
+            <a:r>
+              <a:rPr lang="en-IN" dirty="0"/>
+              <a:t>Schema and Instance</a:t>
+            </a:r>
+          </a:p>
+        </p:txBody>
+      </p:sp>
+      <p:pic>
+        <p:nvPicPr>
+          <p:cNvPr id="5" name="Content Placeholder 4"/>
+          <p:cNvPicPr>
+            <a:picLocks noGrp="1" noChangeAspect="1"/>
+          </p:cNvPicPr>
           <p:nvPr>
             <p:ph idx="1"/>
           </p:nvPr>
-        </p:nvSpPr>
-        <p:spPr>
-          <a:xfrm>
-            <a:off x="535305" y="1511300"/>
-            <a:ext cx="7909560" cy="5052060"/>
-          </a:xfrm>
-        </p:spPr>
-        <p:txBody>
-          <a:bodyPr/>
-          <a:lstStyle/>
-          <a:p>
-            <a:pPr algn="just">
-              <a:lnSpc>
-                <a:spcPct val="120000"/>
-              </a:lnSpc>
-            </a:pPr>
-            <a:r>
-              <a:rPr lang="" sz="2400" dirty="0" smtClean="0">
-                <a:latin typeface="+mn-lt"/>
-                <a:cs typeface="+mn-lt"/>
-              </a:rPr>
-              <a:t>Organize</a:t>
-            </a:r>
-            <a:r>
-              <a:rPr sz="2400" dirty="0" smtClean="0">
-                <a:latin typeface="+mn-lt"/>
-                <a:cs typeface="+mn-lt"/>
-              </a:rPr>
-              <a:t> data into tables, also known as relations, each of which consists of columns and rows</a:t>
-            </a:r>
-            <a:r>
-              <a:rPr lang="en-IN" sz="2400" dirty="0" smtClean="0">
-                <a:latin typeface="+mn-lt"/>
-                <a:cs typeface="+mn-lt"/>
-              </a:rPr>
-              <a:t>.</a:t>
-            </a:r>
-          </a:p>
-          <a:p>
-            <a:pPr algn="just">
-              <a:lnSpc>
-                <a:spcPct val="120000"/>
-              </a:lnSpc>
-            </a:pPr>
-            <a:r>
-              <a:rPr lang="" altLang="en-IN" sz="2400" dirty="0" smtClean="0">
-                <a:latin typeface="+mn-lt"/>
-                <a:cs typeface="+mn-lt"/>
-              </a:rPr>
-              <a:t>E</a:t>
-            </a:r>
-            <a:r>
-              <a:rPr lang="en-IN" sz="2400" dirty="0" smtClean="0">
-                <a:latin typeface="+mn-lt"/>
-                <a:cs typeface="+mn-lt"/>
-              </a:rPr>
-              <a:t>ach column lists an attribute of the entity in question, such as price, zip code, or birth dat</a:t>
-            </a:r>
-            <a:r>
-              <a:rPr lang="" altLang="en-IN" sz="2400" dirty="0" smtClean="0">
-                <a:latin typeface="+mn-lt"/>
-                <a:cs typeface="+mn-lt"/>
-              </a:rPr>
-              <a:t>e</a:t>
-            </a:r>
-            <a:endParaRPr lang="en-IN" sz="2400" dirty="0" smtClean="0">
-              <a:latin typeface="+mn-lt"/>
-              <a:cs typeface="+mn-lt"/>
-            </a:endParaRPr>
-          </a:p>
-          <a:p>
-            <a:pPr algn="just">
-              <a:lnSpc>
-                <a:spcPct val="120000"/>
-              </a:lnSpc>
-            </a:pPr>
-            <a:endParaRPr lang="en-IN" sz="2400" dirty="0" smtClean="0">
-              <a:latin typeface="+mn-lt"/>
-              <a:cs typeface="+mn-lt"/>
-            </a:endParaRPr>
-          </a:p>
-        </p:txBody>
-      </p:sp>
+        </p:nvPicPr>
+        <p:blipFill>
+          <a:blip r:embed="rId2">
+            <a:extLst>
+              <a:ext uri="{28A0092B-C50C-407E-A947-70E740481C1C}">
+                <a14:useLocalDpi xmlns:a14="http://schemas.microsoft.com/office/drawing/2010/main" val="0"/>
+              </a:ext>
+            </a:extLst>
+          </a:blip>
+          <a:stretch>
+            <a:fillRect/>
+          </a:stretch>
+        </p:blipFill>
+        <p:spPr>
+          <a:xfrm>
+            <a:off x="1600200" y="1275894"/>
+            <a:ext cx="5943600" cy="4838068"/>
+          </a:xfrm>
+        </p:spPr>
+      </p:pic>
     </p:spTree>
+    <p:extLst>
+      <p:ext uri="{BB962C8B-B14F-4D97-AF65-F5344CB8AC3E}">
+        <p14:creationId xmlns:p14="http://schemas.microsoft.com/office/powerpoint/2010/main" val="3145075163"/>
+      </p:ext>
+    </p:extLst>
   </p:cSld>
   <p:clrMapOvr>
     <a:masterClrMapping/>
@@ -5716,23 +5828,21 @@
         </p:nvSpPr>
         <p:spPr>
           <a:xfrm>
-            <a:off x="914399" y="245745"/>
-            <a:ext cx="7162801" cy="516255"/>
-          </a:xfrm>
-        </p:spPr>
-        <p:txBody>
-          <a:bodyPr>
-            <a:normAutofit fontScale="90000"/>
-          </a:bodyPr>
-          <a:lstStyle/>
-          <a:p>
-            <a:r>
-              <a:rPr lang="en-US" altLang="en-IN" sz="3200" dirty="0">
+            <a:off x="762000" y="152400"/>
+            <a:ext cx="7315200" cy="685800"/>
+          </a:xfrm>
+        </p:spPr>
+        <p:txBody>
+          <a:bodyPr/>
+          <a:lstStyle/>
+          <a:p>
+            <a:r>
+              <a:rPr lang="en-IN" sz="3200" dirty="0" smtClean="0">
                 <a:latin typeface="+mn-lt"/>
                 <a:cs typeface="+mn-lt"/>
                 <a:sym typeface="+mn-ea"/>
               </a:rPr>
-              <a:t>Relational </a:t>
+              <a:t>Database </a:t>
             </a:r>
             <a:r>
               <a:rPr lang="en-IN" sz="3200" dirty="0">
@@ -5740,44 +5850,151 @@
                 <a:cs typeface="+mn-lt"/>
                 <a:sym typeface="+mn-ea"/>
               </a:rPr>
-              <a:t>Model</a:t>
-            </a:r>
-          </a:p>
-        </p:txBody>
-      </p:sp>
-      <p:pic>
-        <p:nvPicPr>
-          <p:cNvPr id="5" name="Content Placeholder 4" descr="/media/jishnu/CC405AEC405ADCB0/Repositories/Training-Materials/Database Technologies/Raw Sources/relational-model.svgrelational-model"/>
-          <p:cNvPicPr>
-            <a:picLocks noGrp="1" noChangeAspect="1"/>
-          </p:cNvPicPr>
+              <a:t>Models</a:t>
+            </a:r>
+          </a:p>
+        </p:txBody>
+      </p:sp>
+      <p:sp>
+        <p:nvSpPr>
+          <p:cNvPr id="3" name="Content Placeholder 2"/>
+          <p:cNvSpPr>
+            <a:spLocks noGrp="1"/>
+          </p:cNvSpPr>
           <p:nvPr>
             <p:ph idx="1"/>
           </p:nvPr>
-        </p:nvPicPr>
-        <p:blipFill>
-          <a:blip r:embed="rId2">
-            <a:extLst>
-              <a:ext uri="{96DAC541-7B7A-43D3-8B79-37D633B846F1}">
-                <asvg:svgBlip xmlns="" xmlns:asvg="http://schemas.microsoft.com/office/drawing/2016/SVG/main" r:embed="rId3"/>
-              </a:ext>
-            </a:extLst>
-          </a:blip>
-          <a:srcRect/>
-          <a:stretch>
-            <a:fillRect/>
-          </a:stretch>
-        </p:blipFill>
-        <p:spPr>
-          <a:xfrm>
-            <a:off x="1201420" y="1388745"/>
-            <a:ext cx="6652260" cy="5006340"/>
-          </a:xfrm>
-          <a:prstGeom prst="rect">
-            <a:avLst/>
-          </a:prstGeom>
-        </p:spPr>
-      </p:pic>
+        </p:nvSpPr>
+        <p:spPr>
+          <a:xfrm>
+            <a:off x="457200" y="990600"/>
+            <a:ext cx="7772400" cy="5257800"/>
+          </a:xfrm>
+        </p:spPr>
+        <p:txBody>
+          <a:bodyPr>
+            <a:normAutofit/>
+          </a:bodyPr>
+          <a:lstStyle/>
+          <a:p>
+            <a:pPr algn="just">
+              <a:lnSpc>
+                <a:spcPct val="120000"/>
+              </a:lnSpc>
+            </a:pPr>
+            <a:r>
+              <a:rPr lang="en-IN" sz="2400" dirty="0" smtClean="0">
+                <a:latin typeface="+mn-lt"/>
+                <a:cs typeface="+mn-lt"/>
+              </a:rPr>
+              <a:t>Database model defines the logical design and structure of a database </a:t>
+            </a:r>
+          </a:p>
+          <a:p>
+            <a:pPr>
+              <a:lnSpc>
+                <a:spcPct val="120000"/>
+              </a:lnSpc>
+            </a:pPr>
+            <a:r>
+              <a:rPr lang="en-IN" dirty="0"/>
+              <a:t>C</a:t>
+            </a:r>
+            <a:r>
+              <a:rPr lang="en-IN" dirty="0" smtClean="0"/>
+              <a:t>ollection </a:t>
+            </a:r>
+            <a:r>
+              <a:rPr lang="en-IN" dirty="0"/>
+              <a:t>of tools that describe the data, data constraints, Data relationship, Data Semantics </a:t>
+            </a:r>
+            <a:endParaRPr lang="en-IN" dirty="0" smtClean="0"/>
+          </a:p>
+          <a:p>
+            <a:pPr marL="228600" lvl="1">
+              <a:lnSpc>
+                <a:spcPct val="120000"/>
+              </a:lnSpc>
+              <a:spcBef>
+                <a:spcPts val="1000"/>
+              </a:spcBef>
+            </a:pPr>
+            <a:r>
+              <a:rPr lang="en-IN" sz="2400" dirty="0" smtClean="0">
+                <a:latin typeface="+mn-lt"/>
+                <a:cs typeface="+mn-lt"/>
+              </a:rPr>
+              <a:t>While the </a:t>
+            </a:r>
+            <a:r>
+              <a:rPr lang="en-IN" sz="2400" b="1" dirty="0"/>
+              <a:t>Entity-Relationship </a:t>
+            </a:r>
+            <a:r>
+              <a:rPr lang="en-IN" sz="2400" b="1" dirty="0" smtClean="0">
+                <a:cs typeface="+mn-lt"/>
+              </a:rPr>
+              <a:t>&amp; </a:t>
+            </a:r>
+            <a:r>
+              <a:rPr lang="en-IN" sz="2400" b="1" dirty="0" smtClean="0">
+                <a:latin typeface="+mn-lt"/>
+                <a:cs typeface="+mn-lt"/>
+              </a:rPr>
+              <a:t>Relational Model </a:t>
+            </a:r>
+            <a:r>
+              <a:rPr lang="en-IN" sz="2400" dirty="0" smtClean="0">
+                <a:latin typeface="+mn-lt"/>
+                <a:cs typeface="+mn-lt"/>
+              </a:rPr>
+              <a:t>is the most widely used database model, there are other models too:</a:t>
+            </a:r>
+          </a:p>
+          <a:p>
+            <a:pPr lvl="1" algn="just">
+              <a:lnSpc>
+                <a:spcPct val="120000"/>
+              </a:lnSpc>
+            </a:pPr>
+            <a:r>
+              <a:rPr lang="en-IN" sz="2100" b="1" dirty="0" smtClean="0">
+                <a:latin typeface="+mn-lt"/>
+                <a:cs typeface="+mn-lt"/>
+              </a:rPr>
+              <a:t>Hierarchical Model</a:t>
+            </a:r>
+          </a:p>
+          <a:p>
+            <a:pPr lvl="1" algn="just">
+              <a:lnSpc>
+                <a:spcPct val="120000"/>
+              </a:lnSpc>
+            </a:pPr>
+            <a:r>
+              <a:rPr lang="en-IN" sz="2100" b="1" dirty="0" smtClean="0">
+                <a:latin typeface="+mn-lt"/>
+                <a:cs typeface="+mn-lt"/>
+              </a:rPr>
+              <a:t>Network Model</a:t>
+            </a:r>
+          </a:p>
+          <a:p>
+            <a:pPr lvl="1" algn="just">
+              <a:lnSpc>
+                <a:spcPct val="120000"/>
+              </a:lnSpc>
+            </a:pPr>
+            <a:r>
+              <a:rPr lang="en-IN" sz="2100" b="1" dirty="0" smtClean="0">
+                <a:latin typeface="+mn-lt"/>
+                <a:cs typeface="+mn-lt"/>
+              </a:rPr>
+              <a:t>Semi-Structured Model</a:t>
+            </a:r>
+          </a:p>
+        </p:txBody>
+      </p:sp>
     </p:spTree>
   </p:cSld>
   <p:clrMapOvr>
@@ -5820,106 +6037,147 @@
             <p:ph type="title"/>
           </p:nvPr>
         </p:nvSpPr>
-        <p:spPr>
-          <a:xfrm>
-            <a:off x="838199" y="245745"/>
-            <a:ext cx="7116445" cy="516255"/>
-          </a:xfrm>
-        </p:spPr>
+        <p:spPr/>
+        <p:txBody>
+          <a:bodyPr/>
+          <a:lstStyle/>
+          <a:p>
+            <a:r>
+              <a:rPr lang="en-IN" dirty="0" smtClean="0"/>
+              <a:t>Entity-Relationship Model</a:t>
+            </a:r>
+            <a:endParaRPr lang="en-IN" dirty="0"/>
+          </a:p>
+        </p:txBody>
+      </p:sp>
+      <p:sp>
+        <p:nvSpPr>
+          <p:cNvPr id="3" name="Content Placeholder 2"/>
+          <p:cNvSpPr>
+            <a:spLocks noGrp="1"/>
+          </p:cNvSpPr>
+          <p:nvPr>
+            <p:ph idx="1"/>
+          </p:nvPr>
+        </p:nvSpPr>
+        <p:spPr/>
         <p:txBody>
           <a:bodyPr>
-            <a:normAutofit fontScale="90000"/>
+            <a:normAutofit/>
           </a:bodyPr>
           <a:lstStyle/>
           <a:p>
             <a:r>
-              <a:rPr lang="en-US" altLang="en-IN" sz="3200" dirty="0">
-                <a:latin typeface="+mn-lt"/>
-                <a:cs typeface="+mn-lt"/>
-                <a:sym typeface="+mn-ea"/>
-              </a:rPr>
-              <a:t>T</a:t>
-            </a:r>
-            <a:r>
-              <a:rPr lang="en-IN" sz="3200" dirty="0">
-                <a:latin typeface="+mn-lt"/>
-                <a:cs typeface="+mn-lt"/>
-                <a:sym typeface="+mn-ea"/>
-              </a:rPr>
-              <a:t>hree level of data modeling</a:t>
-            </a:r>
-            <a:endParaRPr sz="3200" dirty="0">
-              <a:latin typeface="+mn-lt"/>
-              <a:cs typeface="+mn-lt"/>
-              <a:sym typeface="+mn-ea"/>
-            </a:endParaRPr>
-          </a:p>
-        </p:txBody>
-      </p:sp>
-      <p:sp>
-        <p:nvSpPr>
-          <p:cNvPr id="3" name="Content Placeholder 2"/>
-          <p:cNvSpPr>
-            <a:spLocks noGrp="1"/>
-          </p:cNvSpPr>
-          <p:nvPr>
-            <p:ph idx="1"/>
-          </p:nvPr>
-        </p:nvSpPr>
-        <p:spPr>
-          <a:xfrm>
-            <a:off x="617220" y="1265555"/>
-            <a:ext cx="7909560" cy="5052060"/>
-          </a:xfrm>
-        </p:spPr>
-        <p:txBody>
-          <a:bodyPr/>
-          <a:lstStyle/>
-          <a:p>
-            <a:pPr algn="just">
-              <a:lnSpc>
-                <a:spcPct val="120000"/>
-              </a:lnSpc>
-            </a:pPr>
-            <a:r>
-              <a:rPr sz="2400" dirty="0" smtClean="0">
-                <a:latin typeface="+mn-lt"/>
-                <a:cs typeface="+mn-lt"/>
-              </a:rPr>
-              <a:t>Conceptual: This Data Model defines WHAT the system contains. The purpose is to organize, scope and define business concepts and rules.</a:t>
-            </a:r>
-          </a:p>
-          <a:p>
-            <a:pPr algn="just">
-              <a:lnSpc>
-                <a:spcPct val="120000"/>
-              </a:lnSpc>
-            </a:pPr>
-            <a:r>
-              <a:rPr sz="2400" dirty="0" smtClean="0">
-                <a:latin typeface="+mn-lt"/>
-                <a:cs typeface="+mn-lt"/>
-              </a:rPr>
-              <a:t>Logical: Defines HOW the system should be implemented regardless of the DBMS. The purpose is to developed technical map of rules and data structures.</a:t>
-            </a:r>
-          </a:p>
-          <a:p>
-            <a:pPr algn="just">
-              <a:lnSpc>
-                <a:spcPct val="120000"/>
-              </a:lnSpc>
-            </a:pPr>
-            <a:r>
-              <a:rPr sz="2400" dirty="0" smtClean="0">
-                <a:latin typeface="+mn-lt"/>
-                <a:cs typeface="+mn-lt"/>
-              </a:rPr>
-              <a:t>Physical: This Data Model describes HOW the system will be implemented using a specific DBMS system. The purpose is actual implementation of the database.</a:t>
-            </a:r>
+              <a:rPr lang="en-US" dirty="0"/>
+              <a:t>B</a:t>
+            </a:r>
+            <a:r>
+              <a:rPr lang="en-US" dirty="0" smtClean="0"/>
+              <a:t>ased </a:t>
+            </a:r>
+            <a:r>
+              <a:rPr lang="en-US" dirty="0"/>
+              <a:t>on the notion of real-world entities and relationships among them. </a:t>
+            </a:r>
+            <a:endParaRPr lang="en-US" dirty="0" smtClean="0"/>
+          </a:p>
+          <a:p>
+            <a:r>
+              <a:rPr lang="en-US" dirty="0"/>
+              <a:t>ER Model is based on −</a:t>
+            </a:r>
+          </a:p>
+          <a:p>
+            <a:pPr lvl="1"/>
+            <a:r>
+              <a:rPr lang="en-US" b="1" dirty="0"/>
+              <a:t>Entities</a:t>
+            </a:r>
+            <a:r>
+              <a:rPr lang="en-US" dirty="0"/>
+              <a:t> and their </a:t>
+            </a:r>
+            <a:r>
+              <a:rPr lang="en-US" i="1" dirty="0"/>
+              <a:t>attributes.</a:t>
+            </a:r>
+            <a:endParaRPr lang="en-US" dirty="0"/>
+          </a:p>
+          <a:p>
+            <a:pPr lvl="1"/>
+            <a:r>
+              <a:rPr lang="en-US" b="1" dirty="0"/>
+              <a:t>Relationships</a:t>
+            </a:r>
+            <a:r>
+              <a:rPr lang="en-US" dirty="0"/>
+              <a:t> among entities.</a:t>
+            </a:r>
+          </a:p>
+          <a:p>
+            <a:r>
+              <a:rPr lang="en-US" b="1" dirty="0"/>
+              <a:t>Entity</a:t>
+            </a:r>
+            <a:r>
+              <a:rPr lang="en-US" dirty="0"/>
+              <a:t> − An entity in an ER Model is a real-world entity having properties called </a:t>
+            </a:r>
+            <a:r>
+              <a:rPr lang="en-US" b="1" dirty="0"/>
+              <a:t>attributes</a:t>
+            </a:r>
+            <a:r>
+              <a:rPr lang="en-US" dirty="0"/>
+              <a:t>. Every </a:t>
+            </a:r>
+            <a:r>
+              <a:rPr lang="en-US" b="1" dirty="0"/>
+              <a:t>attribute</a:t>
+            </a:r>
+            <a:r>
+              <a:rPr lang="en-US" dirty="0"/>
+              <a:t> is defined by its set of values called </a:t>
+            </a:r>
+            <a:r>
+              <a:rPr lang="en-US" b="1" dirty="0"/>
+              <a:t>domain</a:t>
+            </a:r>
+            <a:r>
+              <a:rPr lang="en-US" dirty="0"/>
+              <a:t>. </a:t>
+            </a:r>
+            <a:endParaRPr lang="en-US" dirty="0" smtClean="0"/>
+          </a:p>
+          <a:p>
+            <a:r>
+              <a:rPr lang="en-US" b="1" dirty="0" smtClean="0"/>
+              <a:t>Relationship</a:t>
+            </a:r>
+            <a:r>
+              <a:rPr lang="en-US" dirty="0"/>
+              <a:t> − The logical association among entities </a:t>
+            </a:r>
+            <a:r>
+              <a:rPr lang="en-US" dirty="0" smtClean="0"/>
+              <a:t>Relationships </a:t>
+            </a:r>
+            <a:r>
+              <a:rPr lang="en-US" dirty="0"/>
+              <a:t>are mapped with entities in various ways. Mapping cardinalities define the number of association between two entities.</a:t>
+            </a:r>
+          </a:p>
+          <a:p>
+            <a:endParaRPr lang="en-US" dirty="0" smtClean="0"/>
           </a:p>
         </p:txBody>
       </p:sp>
     </p:spTree>
+    <p:extLst>
+      <p:ext uri="{BB962C8B-B14F-4D97-AF65-F5344CB8AC3E}">
+        <p14:creationId xmlns:p14="http://schemas.microsoft.com/office/powerpoint/2010/main" val="1367820303"/>
+      </p:ext>
+    </p:extLst>
   </p:cSld>
   <p:clrMapOvr>
     <a:masterClrMapping/>
@@ -5961,121 +6219,88 @@
             <p:ph type="title"/>
           </p:nvPr>
         </p:nvSpPr>
-        <p:spPr>
-          <a:xfrm>
-            <a:off x="838199" y="245745"/>
-            <a:ext cx="7116445" cy="516255"/>
-          </a:xfrm>
-        </p:spPr>
-        <p:txBody>
-          <a:bodyPr>
-            <a:normAutofit fontScale="90000"/>
-          </a:bodyPr>
-          <a:lstStyle/>
-          <a:p>
-            <a:r>
-              <a:rPr lang="" sz="3200" dirty="0" smtClean="0">
-                <a:latin typeface="+mn-lt"/>
-                <a:cs typeface="+mn-lt"/>
-                <a:sym typeface="+mn-ea"/>
-              </a:rPr>
-              <a:t>C</a:t>
-            </a:r>
-            <a:r>
-              <a:rPr sz="3200" dirty="0" smtClean="0">
-                <a:latin typeface="+mn-lt"/>
-                <a:cs typeface="+mn-lt"/>
-                <a:sym typeface="+mn-ea"/>
-              </a:rPr>
-              <a:t>onceptual data model</a:t>
-            </a:r>
-            <a:endParaRPr sz="3200" dirty="0">
-              <a:latin typeface="+mn-lt"/>
-              <a:cs typeface="+mn-lt"/>
-              <a:sym typeface="+mn-ea"/>
-            </a:endParaRPr>
-          </a:p>
-        </p:txBody>
-      </p:sp>
-      <p:sp>
-        <p:nvSpPr>
-          <p:cNvPr id="3" name="Content Placeholder 2"/>
-          <p:cNvSpPr>
-            <a:spLocks noGrp="1"/>
-          </p:cNvSpPr>
+        <p:spPr/>
+        <p:txBody>
+          <a:bodyPr/>
+          <a:lstStyle/>
+          <a:p>
+            <a:r>
+              <a:rPr lang="en-IN" dirty="0"/>
+              <a:t>Entity-Relationship </a:t>
+            </a:r>
+            <a:r>
+              <a:rPr lang="en-IN" dirty="0" smtClean="0"/>
+              <a:t>Model Example</a:t>
+            </a:r>
+            <a:endParaRPr lang="en-IN" dirty="0"/>
+          </a:p>
+        </p:txBody>
+      </p:sp>
+      <p:pic>
+        <p:nvPicPr>
+          <p:cNvPr id="4" name="Content Placeholder 3"/>
+          <p:cNvPicPr>
+            <a:picLocks noGrp="1" noChangeAspect="1"/>
+          </p:cNvPicPr>
           <p:nvPr>
             <p:ph idx="1"/>
           </p:nvPr>
-        </p:nvSpPr>
-        <p:spPr>
-          <a:xfrm>
-            <a:off x="617220" y="1265555"/>
-            <a:ext cx="7909560" cy="5052060"/>
-          </a:xfrm>
-        </p:spPr>
-        <p:txBody>
-          <a:bodyPr/>
-          <a:lstStyle/>
-          <a:p>
-            <a:pPr marL="0" indent="0" algn="just">
-              <a:lnSpc>
-                <a:spcPct val="120000"/>
-              </a:lnSpc>
-              <a:buNone/>
-            </a:pPr>
-            <a:r>
-              <a:rPr sz="2400" dirty="0" smtClean="0">
-                <a:latin typeface="+mn-lt"/>
-                <a:cs typeface="+mn-lt"/>
-              </a:rPr>
-              <a:t>A conceptual data model identifies the highest-level relationships between the different entities. Features of conceptual data model include:</a:t>
-            </a:r>
-          </a:p>
-          <a:p>
-            <a:pPr lvl="1" algn="just">
-              <a:lnSpc>
-                <a:spcPct val="120000"/>
-              </a:lnSpc>
-            </a:pPr>
-            <a:r>
-              <a:rPr sz="2100" dirty="0" smtClean="0">
-                <a:latin typeface="+mn-lt"/>
-                <a:cs typeface="+mn-lt"/>
-              </a:rPr>
-              <a:t>Includes the important entities and the relationships among them.</a:t>
-            </a:r>
-          </a:p>
-          <a:p>
-            <a:pPr lvl="1" algn="just">
-              <a:lnSpc>
-                <a:spcPct val="120000"/>
-              </a:lnSpc>
-            </a:pPr>
-            <a:r>
-              <a:rPr sz="2100" dirty="0" smtClean="0">
-                <a:latin typeface="+mn-lt"/>
-                <a:cs typeface="+mn-lt"/>
-              </a:rPr>
-              <a:t>No attribute is specified.</a:t>
-            </a:r>
-          </a:p>
-          <a:p>
-            <a:pPr lvl="1" algn="just">
-              <a:lnSpc>
-                <a:spcPct val="120000"/>
-              </a:lnSpc>
-            </a:pPr>
-            <a:r>
-              <a:rPr sz="2100" dirty="0" smtClean="0">
-                <a:latin typeface="+mn-lt"/>
-                <a:cs typeface="+mn-lt"/>
-              </a:rPr>
-              <a:t>No primary key is specified.</a:t>
-            </a:r>
-          </a:p>
-        </p:txBody>
-      </p:sp>
+        </p:nvPicPr>
+        <p:blipFill>
+          <a:blip r:embed="rId2">
+            <a:extLst>
+              <a:ext uri="{28A0092B-C50C-407E-A947-70E740481C1C}">
+                <a14:useLocalDpi xmlns:a14="http://schemas.microsoft.com/office/drawing/2010/main" val="0"/>
+              </a:ext>
+            </a:extLst>
+          </a:blip>
+          <a:stretch>
+            <a:fillRect/>
+          </a:stretch>
+        </p:blipFill>
+        <p:spPr>
+          <a:xfrm>
+            <a:off x="1752598" y="1092734"/>
+            <a:ext cx="5305425" cy="1447800"/>
+          </a:xfrm>
+        </p:spPr>
+      </p:pic>
+      <p:pic>
+        <p:nvPicPr>
+          <p:cNvPr id="5" name="Picture 4"/>
+          <p:cNvPicPr>
+            <a:picLocks noChangeAspect="1"/>
+          </p:cNvPicPr>
+          <p:nvPr/>
+        </p:nvPicPr>
+        <p:blipFill>
+          <a:blip r:embed="rId3">
+            <a:extLst>
+              <a:ext uri="{28A0092B-C50C-407E-A947-70E740481C1C}">
+                <a14:useLocalDpi xmlns:a14="http://schemas.microsoft.com/office/drawing/2010/main" val="0"/>
+              </a:ext>
+            </a:extLst>
+          </a:blip>
+          <a:stretch>
+            <a:fillRect/>
+          </a:stretch>
+        </p:blipFill>
+        <p:spPr>
+          <a:xfrm>
+            <a:off x="628649" y="2843560"/>
+            <a:ext cx="7553325" cy="3314700"/>
+          </a:xfrm>
+          <a:prstGeom prst="rect">
+            <a:avLst/>
+          </a:prstGeom>
+        </p:spPr>
+      </p:pic>
     </p:spTree>
+    <p:extLst>
+      <p:ext uri="{BB962C8B-B14F-4D97-AF65-F5344CB8AC3E}">
+        <p14:creationId xmlns:p14="http://schemas.microsoft.com/office/powerpoint/2010/main" val="1841734858"/>
+      </p:ext>
+    </p:extLst>
   </p:cSld>
   <p:clrMapOvr>
     <a:masterClrMapping/>
@@ -6119,69 +6344,204 @@
         </p:nvSpPr>
         <p:spPr>
           <a:xfrm>
-            <a:off x="685799" y="122555"/>
-            <a:ext cx="7228205" cy="715645"/>
-          </a:xfrm>
-        </p:spPr>
-        <p:txBody>
-          <a:bodyPr/>
-          <a:lstStyle/>
-          <a:p>
-            <a:r>
-              <a:rPr lang="en-US" sz="3200" dirty="0" smtClean="0">
+            <a:off x="914399" y="245745"/>
+            <a:ext cx="7040245" cy="440055"/>
+          </a:xfrm>
+        </p:spPr>
+        <p:txBody>
+          <a:bodyPr>
+            <a:normAutofit fontScale="90000"/>
+          </a:bodyPr>
+          <a:lstStyle/>
+          <a:p>
+            <a:r>
+              <a:rPr lang="" altLang="en-IN" sz="3200" dirty="0">
                 <a:latin typeface="+mn-lt"/>
                 <a:cs typeface="+mn-lt"/>
                 <a:sym typeface="+mn-ea"/>
               </a:rPr>
-              <a:t>D</a:t>
-            </a:r>
-            <a:r>
-              <a:rPr sz="3200" dirty="0" smtClean="0">
+              <a:t>Relational </a:t>
+            </a:r>
+            <a:r>
+              <a:rPr lang="en-IN" sz="3200" dirty="0">
                 <a:latin typeface="+mn-lt"/>
                 <a:cs typeface="+mn-lt"/>
                 <a:sym typeface="+mn-ea"/>
               </a:rPr>
-              <a:t>ata model</a:t>
-            </a:r>
-            <a:r>
-              <a:rPr lang="en-US" sz="3200" dirty="0" smtClean="0">
+              <a:t>Model</a:t>
+            </a:r>
+          </a:p>
+        </p:txBody>
+      </p:sp>
+      <p:sp>
+        <p:nvSpPr>
+          <p:cNvPr id="3" name="Content Placeholder 2"/>
+          <p:cNvSpPr>
+            <a:spLocks noGrp="1"/>
+          </p:cNvSpPr>
+          <p:nvPr>
+            <p:ph idx="1"/>
+          </p:nvPr>
+        </p:nvSpPr>
+        <p:spPr>
+          <a:xfrm>
+            <a:off x="479741" y="1219200"/>
+            <a:ext cx="7909560" cy="5052060"/>
+          </a:xfrm>
+        </p:spPr>
+        <p:txBody>
+          <a:bodyPr>
+            <a:normAutofit lnSpcReduction="10000"/>
+          </a:bodyPr>
+          <a:lstStyle/>
+          <a:p>
+            <a:pPr algn="just">
+              <a:lnSpc>
+                <a:spcPct val="120000"/>
+              </a:lnSpc>
+            </a:pPr>
+            <a:r>
+              <a:rPr lang="" sz="2400" dirty="0" smtClean="0">
                 <a:latin typeface="+mn-lt"/>
                 <a:cs typeface="+mn-lt"/>
-                <a:sym typeface="+mn-ea"/>
               </a:rPr>
-              <a:t>ling</a:t>
-            </a:r>
-          </a:p>
-        </p:txBody>
-      </p:sp>
-      <p:pic>
-        <p:nvPicPr>
-          <p:cNvPr id="5" name="Content Placeholder 4" descr="/home/jishnu/Downloads/FireShot/FireShot Capture 004 - Sanjay Gupta_ Difference between Conceptual, Logical and Physical Dat_ - uksanjay.blogspot.com.pngFireShot Capture 004 - Sanjay Gupta_ Difference between Conceptual, Logical and Physical Dat_ - uksanjay.blogspot.com"/>
-          <p:cNvPicPr>
-            <a:picLocks noGrp="1" noChangeAspect="1"/>
-          </p:cNvPicPr>
-          <p:nvPr>
-            <p:ph idx="1"/>
-          </p:nvPr>
-        </p:nvPicPr>
-        <p:blipFill>
-          <a:blip r:embed="rId2"/>
-          <a:srcRect/>
-          <a:stretch>
-            <a:fillRect/>
-          </a:stretch>
-        </p:blipFill>
-        <p:spPr>
-          <a:xfrm>
-            <a:off x="1049338" y="1353503"/>
-            <a:ext cx="6339840" cy="4401820"/>
-          </a:xfrm>
-          <a:prstGeom prst="rect">
-            <a:avLst/>
-          </a:prstGeom>
-        </p:spPr>
-      </p:pic>
+              <a:t>Organize</a:t>
+            </a:r>
+            <a:r>
+              <a:rPr sz="2400" dirty="0" smtClean="0">
+                <a:latin typeface="+mn-lt"/>
+                <a:cs typeface="+mn-lt"/>
+              </a:rPr>
+              <a:t> data into tables, also known as relations, each of which consists of columns and rows</a:t>
+            </a:r>
+            <a:r>
+              <a:rPr lang="en-IN" sz="2400" dirty="0" smtClean="0">
+                <a:latin typeface="+mn-lt"/>
+                <a:cs typeface="+mn-lt"/>
+              </a:rPr>
+              <a:t>.</a:t>
+            </a:r>
+          </a:p>
+          <a:p>
+            <a:pPr algn="just">
+              <a:lnSpc>
+                <a:spcPct val="120000"/>
+              </a:lnSpc>
+            </a:pPr>
+            <a:r>
+              <a:rPr lang="" altLang="en-IN" sz="2400" dirty="0" smtClean="0">
+                <a:latin typeface="+mn-lt"/>
+                <a:cs typeface="+mn-lt"/>
+              </a:rPr>
+              <a:t>E</a:t>
+            </a:r>
+            <a:r>
+              <a:rPr lang="en-IN" sz="2400" dirty="0" smtClean="0">
+                <a:latin typeface="+mn-lt"/>
+                <a:cs typeface="+mn-lt"/>
+              </a:rPr>
+              <a:t>ach column lists an attribute of the entity in question, such as price, zip code, or birth dat</a:t>
+            </a:r>
+            <a:r>
+              <a:rPr lang="" altLang="en-IN" sz="2400" dirty="0" smtClean="0">
+                <a:latin typeface="+mn-lt"/>
+                <a:cs typeface="+mn-lt"/>
+              </a:rPr>
+              <a:t>e</a:t>
+            </a:r>
+            <a:endParaRPr lang="en-IN" sz="2400" dirty="0" smtClean="0">
+              <a:latin typeface="+mn-lt"/>
+              <a:cs typeface="+mn-lt"/>
+            </a:endParaRPr>
+          </a:p>
+          <a:p>
+            <a:pPr algn="just">
+              <a:lnSpc>
+                <a:spcPct val="120000"/>
+              </a:lnSpc>
+            </a:pPr>
+            <a:endParaRPr lang="en-IN" sz="2400" dirty="0" smtClean="0">
+              <a:latin typeface="+mn-lt"/>
+              <a:cs typeface="+mn-lt"/>
+            </a:endParaRPr>
+          </a:p>
+          <a:p>
+            <a:pPr>
+              <a:buFont typeface="Wingdings" panose="05000000000000000000" pitchFamily="2" charset="2"/>
+              <a:buChar char="ü"/>
+            </a:pPr>
+            <a:r>
+              <a:rPr lang="en-US" dirty="0"/>
+              <a:t>Data is stored in tables called </a:t>
+            </a:r>
+            <a:r>
+              <a:rPr lang="en-US" b="1" dirty="0"/>
+              <a:t>relations</a:t>
+            </a:r>
+            <a:r>
+              <a:rPr lang="en-US" dirty="0"/>
+              <a:t>.</a:t>
+            </a:r>
+          </a:p>
+          <a:p>
+            <a:pPr>
+              <a:buFont typeface="Wingdings" panose="05000000000000000000" pitchFamily="2" charset="2"/>
+              <a:buChar char="ü"/>
+            </a:pPr>
+            <a:r>
+              <a:rPr lang="en-US" dirty="0"/>
+              <a:t>Relations can be normalized.</a:t>
+            </a:r>
+          </a:p>
+          <a:p>
+            <a:pPr>
+              <a:buFont typeface="Wingdings" panose="05000000000000000000" pitchFamily="2" charset="2"/>
+              <a:buChar char="ü"/>
+            </a:pPr>
+            <a:r>
+              <a:rPr lang="en-US" dirty="0"/>
+              <a:t>In normalized relations, values saved are atomic values.</a:t>
+            </a:r>
+          </a:p>
+          <a:p>
+            <a:pPr>
+              <a:buFont typeface="Wingdings" panose="05000000000000000000" pitchFamily="2" charset="2"/>
+              <a:buChar char="ü"/>
+            </a:pPr>
+            <a:r>
+              <a:rPr lang="en-US" dirty="0"/>
+              <a:t>Each row in a relation contains a unique value.</a:t>
+            </a:r>
+          </a:p>
+          <a:p>
+            <a:pPr>
+              <a:buFont typeface="Wingdings" panose="05000000000000000000" pitchFamily="2" charset="2"/>
+              <a:buChar char="ü"/>
+            </a:pPr>
+            <a:r>
+              <a:rPr lang="en-US" dirty="0"/>
+              <a:t>Each column in a relation contains values from a same domain.</a:t>
+            </a:r>
+          </a:p>
+          <a:p>
+            <a:pPr algn="just">
+              <a:lnSpc>
+                <a:spcPct val="120000"/>
+              </a:lnSpc>
+            </a:pPr>
+            <a:endParaRPr lang="en-IN" sz="2400" dirty="0" smtClean="0">
+              <a:latin typeface="+mn-lt"/>
+              <a:cs typeface="+mn-lt"/>
+            </a:endParaRPr>
+          </a:p>
+        </p:txBody>
+      </p:sp>
     </p:spTree>
+    <p:extLst>
+      <p:ext uri="{BB962C8B-B14F-4D97-AF65-F5344CB8AC3E}">
+        <p14:creationId xmlns:p14="http://schemas.microsoft.com/office/powerpoint/2010/main" val="2962043976"/>
+      </p:ext>
+    </p:extLst>
   </p:cSld>
   <p:clrMapOvr>
     <a:masterClrMapping/>
@@ -6223,161 +6583,50 @@
             <p:ph type="title"/>
           </p:nvPr>
         </p:nvSpPr>
-        <p:spPr>
-          <a:xfrm>
-            <a:off x="990599" y="245745"/>
-            <a:ext cx="6964045" cy="516255"/>
-          </a:xfrm>
-        </p:spPr>
-        <p:txBody>
-          <a:bodyPr>
-            <a:normAutofit fontScale="90000"/>
-          </a:bodyPr>
-          <a:lstStyle/>
-          <a:p>
-            <a:r>
-              <a:rPr lang="" sz="3200" dirty="0" smtClean="0">
-                <a:latin typeface="+mn-lt"/>
-                <a:cs typeface="+mn-lt"/>
-                <a:sym typeface="+mn-ea"/>
-              </a:rPr>
-              <a:t>L</a:t>
-            </a:r>
-            <a:r>
-              <a:rPr sz="3200" dirty="0" smtClean="0">
-                <a:latin typeface="+mn-lt"/>
-                <a:cs typeface="+mn-lt"/>
-                <a:sym typeface="+mn-ea"/>
-              </a:rPr>
-              <a:t>ogical data model</a:t>
-            </a:r>
-            <a:endParaRPr sz="3200" dirty="0">
-              <a:latin typeface="+mn-lt"/>
-              <a:cs typeface="+mn-lt"/>
-              <a:sym typeface="+mn-ea"/>
-            </a:endParaRPr>
-          </a:p>
-        </p:txBody>
-      </p:sp>
-      <p:sp>
-        <p:nvSpPr>
-          <p:cNvPr id="3" name="Content Placeholder 2"/>
-          <p:cNvSpPr>
-            <a:spLocks noGrp="1"/>
-          </p:cNvSpPr>
+        <p:spPr/>
+        <p:txBody>
+          <a:bodyPr/>
+          <a:lstStyle/>
+          <a:p>
+            <a:endParaRPr lang="en-IN"/>
+          </a:p>
+        </p:txBody>
+      </p:sp>
+      <p:pic>
+        <p:nvPicPr>
+          <p:cNvPr id="4" name="Content Placeholder 3"/>
+          <p:cNvPicPr>
+            <a:picLocks noGrp="1" noChangeAspect="1"/>
+          </p:cNvPicPr>
           <p:nvPr>
             <p:ph idx="1"/>
           </p:nvPr>
-        </p:nvSpPr>
-        <p:spPr>
-          <a:xfrm>
-            <a:off x="617220" y="1265555"/>
-            <a:ext cx="7909560" cy="5052060"/>
-          </a:xfrm>
-        </p:spPr>
-        <p:txBody>
-          <a:bodyPr/>
-          <a:lstStyle/>
-          <a:p>
-            <a:pPr marL="0" indent="0" algn="just">
-              <a:lnSpc>
-                <a:spcPct val="120000"/>
-              </a:lnSpc>
-              <a:buNone/>
-            </a:pPr>
-            <a:r>
-              <a:rPr sz="2400" dirty="0" smtClean="0">
-                <a:latin typeface="+mn-lt"/>
-                <a:cs typeface="+mn-lt"/>
-              </a:rPr>
-              <a:t>A logical data model describes the data in as much detail as possible, without regard to how they will be physical implemented in the database. Features of a logical data model include:</a:t>
-            </a:r>
-          </a:p>
-          <a:p>
-            <a:pPr lvl="1" algn="just">
-              <a:lnSpc>
-                <a:spcPct val="120000"/>
-              </a:lnSpc>
-            </a:pPr>
-            <a:r>
-              <a:rPr sz="2100" dirty="0" smtClean="0">
-                <a:latin typeface="+mn-lt"/>
-                <a:cs typeface="+mn-lt"/>
-              </a:rPr>
-              <a:t>Includes all entities and relationships among them.</a:t>
-            </a:r>
-          </a:p>
-          <a:p>
-            <a:pPr lvl="1" algn="just">
-              <a:lnSpc>
-                <a:spcPct val="120000"/>
-              </a:lnSpc>
-            </a:pPr>
-            <a:r>
-              <a:rPr sz="2100" dirty="0" smtClean="0">
-                <a:latin typeface="+mn-lt"/>
-                <a:cs typeface="+mn-lt"/>
-              </a:rPr>
-              <a:t>All attributes for each entity are specified.</a:t>
-            </a:r>
-          </a:p>
-          <a:p>
-            <a:pPr lvl="1" algn="just">
-              <a:lnSpc>
-                <a:spcPct val="120000"/>
-              </a:lnSpc>
-            </a:pPr>
-            <a:r>
-              <a:rPr sz="2100" dirty="0" smtClean="0">
-                <a:latin typeface="+mn-lt"/>
-                <a:cs typeface="+mn-lt"/>
-              </a:rPr>
-              <a:t>The primary key for each entity is specified.</a:t>
-            </a:r>
-          </a:p>
-          <a:p>
-            <a:pPr lvl="1" algn="just">
-              <a:lnSpc>
-                <a:spcPct val="120000"/>
-              </a:lnSpc>
-            </a:pPr>
-            <a:r>
-              <a:rPr sz="2100" dirty="0" smtClean="0">
-                <a:latin typeface="+mn-lt"/>
-                <a:cs typeface="+mn-lt"/>
-              </a:rPr>
-              <a:t>Foreign keys (keys identifying the relationship between different entities) are specified.</a:t>
-            </a:r>
-          </a:p>
-          <a:p>
-            <a:pPr lvl="1" algn="just">
-              <a:lnSpc>
-                <a:spcPct val="120000"/>
-              </a:lnSpc>
-            </a:pPr>
-            <a:r>
-              <a:rPr sz="2100" dirty="0" smtClean="0">
-                <a:latin typeface="+mn-lt"/>
-                <a:cs typeface="+mn-lt"/>
-              </a:rPr>
-              <a:t>Normalization occurs at this level.</a:t>
-            </a:r>
-          </a:p>
-          <a:p>
-            <a:pPr marL="0" indent="0" algn="just">
-              <a:lnSpc>
-                <a:spcPct val="120000"/>
-              </a:lnSpc>
-              <a:buNone/>
-            </a:pPr>
-            <a:endParaRPr sz="2400" dirty="0" smtClean="0">
-              <a:latin typeface="+mn-lt"/>
-              <a:cs typeface="+mn-lt"/>
-            </a:endParaRPr>
-          </a:p>
-        </p:txBody>
-      </p:sp>
+        </p:nvPicPr>
+        <p:blipFill>
+          <a:blip r:embed="rId2">
+            <a:extLst>
+              <a:ext uri="{28A0092B-C50C-407E-A947-70E740481C1C}">
+                <a14:useLocalDpi xmlns:a14="http://schemas.microsoft.com/office/drawing/2010/main" val="0"/>
+              </a:ext>
+            </a:extLst>
+          </a:blip>
+          <a:stretch>
+            <a:fillRect/>
+          </a:stretch>
+        </p:blipFill>
+        <p:spPr>
+          <a:xfrm>
+            <a:off x="1447800" y="1584324"/>
+            <a:ext cx="6365240" cy="3978275"/>
+          </a:xfrm>
+        </p:spPr>
+      </p:pic>
     </p:spTree>
+    <p:extLst>
+      <p:ext uri="{BB962C8B-B14F-4D97-AF65-F5344CB8AC3E}">
+        <p14:creationId xmlns:p14="http://schemas.microsoft.com/office/powerpoint/2010/main" val="1009256443"/>
+      </p:ext>
+    </p:extLst>
   </p:cSld>
   <p:clrMapOvr>
     <a:masterClrMapping/>
@@ -6421,8 +6670,8 @@
         </p:nvSpPr>
         <p:spPr>
           <a:xfrm>
-            <a:off x="990599" y="122555"/>
-            <a:ext cx="6923405" cy="715645"/>
+            <a:off x="685799" y="245745"/>
+            <a:ext cx="7268845" cy="592455"/>
           </a:xfrm>
         </p:spPr>
         <p:txBody>
@@ -6430,59 +6679,111 @@
           <a:lstStyle/>
           <a:p>
             <a:r>
-              <a:rPr lang="en-US" sz="3200" dirty="0" smtClean="0">
+              <a:rPr lang="en-IN" sz="3200" dirty="0">
                 <a:latin typeface="+mn-lt"/>
                 <a:cs typeface="+mn-lt"/>
                 <a:sym typeface="+mn-ea"/>
               </a:rPr>
-              <a:t>D</a:t>
-            </a:r>
-            <a:r>
-              <a:rPr sz="3200" dirty="0" smtClean="0">
+              <a:t>Hierarchical Model</a:t>
+            </a:r>
+          </a:p>
+        </p:txBody>
+      </p:sp>
+      <p:sp>
+        <p:nvSpPr>
+          <p:cNvPr id="3" name="Content Placeholder 2"/>
+          <p:cNvSpPr>
+            <a:spLocks noGrp="1"/>
+          </p:cNvSpPr>
+          <p:nvPr>
+            <p:ph idx="1"/>
+          </p:nvPr>
+        </p:nvSpPr>
+        <p:spPr>
+          <a:xfrm>
+            <a:off x="535305" y="1511300"/>
+            <a:ext cx="8020685" cy="5052060"/>
+          </a:xfrm>
+        </p:spPr>
+        <p:txBody>
+          <a:bodyPr/>
+          <a:lstStyle/>
+          <a:p>
+            <a:pPr algn="just">
+              <a:lnSpc>
+                <a:spcPct val="120000"/>
+              </a:lnSpc>
+            </a:pPr>
+            <a:r>
+              <a:rPr lang="en-US" altLang="en-IN" sz="2400" dirty="0" smtClean="0">
                 <a:latin typeface="+mn-lt"/>
                 <a:cs typeface="+mn-lt"/>
-                <a:sym typeface="+mn-ea"/>
               </a:rPr>
-              <a:t>ata model</a:t>
-            </a:r>
-            <a:r>
-              <a:rPr lang="en-US" sz="3200" dirty="0" smtClean="0">
+              <a:t>O</a:t>
+            </a:r>
+            <a:r>
+              <a:rPr lang="en-IN" sz="2400" dirty="0" smtClean="0">
                 <a:latin typeface="+mn-lt"/>
                 <a:cs typeface="+mn-lt"/>
-                <a:sym typeface="+mn-ea"/>
               </a:rPr>
-              <a:t>ling</a:t>
-            </a:r>
-          </a:p>
-        </p:txBody>
-      </p:sp>
-      <p:pic>
-        <p:nvPicPr>
-          <p:cNvPr id="5" name="Content Placeholder 4" descr="/home/jishnu/Downloads/FireShot/FireShot Capture 003 - Sanjay Gupta_ Difference between Conceptual, Logical and Physical Dat_ - uksanjay.blogspot.com.pngFireShot Capture 003 - Sanjay Gupta_ Difference between Conceptual, Logical and Physical Dat_ - uksanjay.blogspot.com"/>
-          <p:cNvPicPr>
-            <a:picLocks noGrp="1" noChangeAspect="1"/>
-          </p:cNvPicPr>
-          <p:nvPr>
-            <p:ph idx="1"/>
-          </p:nvPr>
-        </p:nvPicPr>
-        <p:blipFill>
-          <a:blip r:embed="rId2"/>
-          <a:srcRect/>
-          <a:stretch>
-            <a:fillRect/>
-          </a:stretch>
-        </p:blipFill>
-        <p:spPr>
-          <a:xfrm>
-            <a:off x="1049338" y="1265555"/>
-            <a:ext cx="6339840" cy="4577715"/>
-          </a:xfrm>
-          <a:prstGeom prst="rect">
-            <a:avLst/>
-          </a:prstGeom>
-        </p:spPr>
-      </p:pic>
+              <a:t>rganises data into a tree-like-structure</a:t>
+            </a:r>
+          </a:p>
+          <a:p>
+            <a:pPr algn="just">
+              <a:lnSpc>
+                <a:spcPct val="120000"/>
+              </a:lnSpc>
+            </a:pPr>
+            <a:r>
+              <a:rPr lang="en-US" altLang="en-IN" sz="2400" dirty="0" smtClean="0">
+                <a:latin typeface="+mn-lt"/>
+                <a:cs typeface="+mn-lt"/>
+              </a:rPr>
+              <a:t>A </a:t>
+            </a:r>
+            <a:r>
+              <a:rPr lang="en-IN" sz="2400" dirty="0" smtClean="0">
+                <a:latin typeface="+mn-lt"/>
+                <a:cs typeface="+mn-lt"/>
+              </a:rPr>
+              <a:t>single root, to which all the other data is linked. The heirarchy starts from the Root data, and expands like a tree, adding child nodes to the parent nodes.</a:t>
+            </a:r>
+          </a:p>
+          <a:p>
+            <a:pPr algn="just">
+              <a:lnSpc>
+                <a:spcPct val="120000"/>
+              </a:lnSpc>
+            </a:pPr>
+            <a:r>
+              <a:rPr lang="en-US" altLang="en-IN" sz="2400" dirty="0" smtClean="0">
+                <a:latin typeface="+mn-lt"/>
+                <a:cs typeface="+mn-lt"/>
+              </a:rPr>
+              <a:t>M</a:t>
+            </a:r>
+            <a:r>
+              <a:rPr lang="en-IN" sz="2400" dirty="0" smtClean="0">
+                <a:latin typeface="+mn-lt"/>
+                <a:cs typeface="+mn-lt"/>
+              </a:rPr>
+              <a:t>odel efficiently describes many real-world relationships like index of a book, recipes etc.</a:t>
+            </a:r>
+          </a:p>
+          <a:p>
+            <a:pPr algn="just">
+              <a:lnSpc>
+                <a:spcPct val="120000"/>
+              </a:lnSpc>
+            </a:pPr>
+            <a:endParaRPr lang="en-IN" sz="2400" dirty="0" smtClean="0">
+              <a:latin typeface="+mn-lt"/>
+              <a:cs typeface="+mn-lt"/>
+            </a:endParaRPr>
+          </a:p>
+        </p:txBody>
+      </p:sp>
     </p:spTree>
   </p:cSld>
   <p:clrMapOvr>
@@ -6527,132 +6828,59 @@
         </p:nvSpPr>
         <p:spPr>
           <a:xfrm>
-            <a:off x="838199" y="122555"/>
-            <a:ext cx="7075805" cy="715645"/>
-          </a:xfrm>
-        </p:spPr>
-        <p:txBody>
-          <a:bodyPr/>
-          <a:lstStyle/>
-          <a:p>
-            <a:r>
-              <a:rPr lang="" sz="3200" dirty="0" smtClean="0">
+            <a:off x="761999" y="245745"/>
+            <a:ext cx="7192645" cy="516255"/>
+          </a:xfrm>
+        </p:spPr>
+        <p:txBody>
+          <a:bodyPr>
+            <a:normAutofit fontScale="90000"/>
+          </a:bodyPr>
+          <a:lstStyle/>
+          <a:p>
+            <a:r>
+              <a:rPr lang="en-IN" sz="3200" dirty="0">
                 <a:latin typeface="+mn-lt"/>
                 <a:cs typeface="+mn-lt"/>
                 <a:sym typeface="+mn-ea"/>
               </a:rPr>
-              <a:t>P</a:t>
-            </a:r>
-            <a:r>
-              <a:rPr sz="3200" dirty="0" smtClean="0">
-                <a:latin typeface="+mn-lt"/>
-                <a:cs typeface="+mn-lt"/>
-                <a:sym typeface="+mn-ea"/>
-              </a:rPr>
-              <a:t>hysical data model</a:t>
-            </a:r>
-            <a:endParaRPr sz="3200" dirty="0">
-              <a:latin typeface="+mn-lt"/>
-              <a:cs typeface="+mn-lt"/>
-              <a:sym typeface="+mn-ea"/>
-            </a:endParaRPr>
-          </a:p>
-        </p:txBody>
-      </p:sp>
-      <p:sp>
-        <p:nvSpPr>
-          <p:cNvPr id="3" name="Content Placeholder 2"/>
-          <p:cNvSpPr>
-            <a:spLocks noGrp="1"/>
-          </p:cNvSpPr>
+              <a:t>Hierarchical Model</a:t>
+            </a:r>
+          </a:p>
+        </p:txBody>
+      </p:sp>
+      <p:pic>
+        <p:nvPicPr>
+          <p:cNvPr id="5" name="Content Placeholder 4" descr="hierarchical-model"/>
+          <p:cNvPicPr>
+            <a:picLocks noGrp="1" noChangeAspect="1"/>
+          </p:cNvPicPr>
           <p:nvPr>
             <p:ph idx="1"/>
           </p:nvPr>
-        </p:nvSpPr>
-        <p:spPr>
-          <a:xfrm>
-            <a:off x="384810" y="1183640"/>
-            <a:ext cx="8141970" cy="5639435"/>
-          </a:xfrm>
-        </p:spPr>
-        <p:txBody>
-          <a:bodyPr>
-            <a:normAutofit lnSpcReduction="10000"/>
-          </a:bodyPr>
-          <a:lstStyle/>
-          <a:p>
-            <a:pPr marL="0" indent="0" algn="just">
-              <a:lnSpc>
-                <a:spcPct val="120000"/>
-              </a:lnSpc>
-              <a:buNone/>
-            </a:pPr>
-            <a:r>
-              <a:rPr sz="2400" dirty="0" smtClean="0">
-                <a:latin typeface="+mn-lt"/>
-                <a:cs typeface="+mn-lt"/>
-              </a:rPr>
-              <a:t>Physical data model represents how the model will be built in the database. A physical database model shows all table structures, including column name, column data type, column constraints, primary key, foreign key, and relationships between tables. Features of a physical data model include:</a:t>
-            </a:r>
-          </a:p>
-          <a:p>
-            <a:pPr lvl="1" algn="just">
-              <a:lnSpc>
-                <a:spcPct val="120000"/>
-              </a:lnSpc>
-            </a:pPr>
-            <a:r>
-              <a:rPr sz="2100" dirty="0" smtClean="0">
-                <a:latin typeface="+mn-lt"/>
-                <a:cs typeface="+mn-lt"/>
-              </a:rPr>
-              <a:t>Specification all tables and columns.</a:t>
-            </a:r>
-          </a:p>
-          <a:p>
-            <a:pPr lvl="1" algn="just">
-              <a:lnSpc>
-                <a:spcPct val="120000"/>
-              </a:lnSpc>
-            </a:pPr>
-            <a:r>
-              <a:rPr sz="2100" dirty="0" smtClean="0">
-                <a:latin typeface="+mn-lt"/>
-                <a:cs typeface="+mn-lt"/>
-              </a:rPr>
-              <a:t>Foreign keys are used to identify relationships between tables.</a:t>
-            </a:r>
-          </a:p>
-          <a:p>
-            <a:pPr lvl="1" algn="just">
-              <a:lnSpc>
-                <a:spcPct val="120000"/>
-              </a:lnSpc>
-            </a:pPr>
-            <a:r>
-              <a:rPr sz="2100" dirty="0" smtClean="0">
-                <a:latin typeface="+mn-lt"/>
-                <a:cs typeface="+mn-lt"/>
-              </a:rPr>
-              <a:t>Physical considerations may cause the physical data model to be quite different from the logical data model.</a:t>
-            </a:r>
-          </a:p>
-          <a:p>
-            <a:pPr lvl="1" algn="just">
-              <a:lnSpc>
-                <a:spcPct val="120000"/>
-              </a:lnSpc>
-            </a:pPr>
-            <a:r>
-              <a:rPr sz="2100" dirty="0" smtClean="0">
-                <a:latin typeface="+mn-lt"/>
-                <a:cs typeface="+mn-lt"/>
-              </a:rPr>
-              <a:t>Physical data model will be different for different RDBMS. For example, data type for a column may be different between Oracle, DB2 etc.</a:t>
-            </a:r>
-          </a:p>
-        </p:txBody>
-      </p:sp>
+        </p:nvPicPr>
+        <p:blipFill>
+          <a:blip r:embed="rId2">
+            <a:extLst>
+              <a:ext uri="{96DAC541-7B7A-43D3-8B79-37D633B846F1}">
+                <asvg:svgBlip xmlns="" xmlns:asvg="http://schemas.microsoft.com/office/drawing/2016/SVG/main" r:embed="rId3"/>
+              </a:ext>
+            </a:extLst>
+          </a:blip>
+          <a:stretch>
+            <a:fillRect/>
+          </a:stretch>
+        </p:blipFill>
+        <p:spPr>
+          <a:xfrm>
+            <a:off x="304800" y="1524000"/>
+            <a:ext cx="8470265" cy="3970655"/>
+          </a:xfrm>
+          <a:prstGeom prst="rect">
+            <a:avLst/>
+          </a:prstGeom>
+        </p:spPr>
+      </p:pic>
     </p:spTree>
   </p:cSld>
   <p:clrMapOvr>
@@ -6730,24 +6958,15 @@
         </p:nvSpPr>
         <p:spPr>
           <a:xfrm>
-            <a:off x="533400" y="1295400"/>
-            <a:ext cx="7772400" cy="4832176"/>
+            <a:off x="472121" y="1219200"/>
+            <a:ext cx="7772400" cy="4679776"/>
           </a:xfrm>
         </p:spPr>
         <p:txBody>
           <a:bodyPr>
-            <a:normAutofit fontScale="92500" lnSpcReduction="20000"/>
+            <a:normAutofit lnSpcReduction="10000"/>
           </a:bodyPr>
           <a:lstStyle/>
-          <a:p>
-            <a:pPr marL="0" indent="0">
-              <a:buNone/>
-            </a:pPr>
-            <a:endParaRPr lang="en-IN" sz="2400" dirty="0" smtClean="0">
-              <a:latin typeface="+mn-lt"/>
-              <a:cs typeface="+mn-lt"/>
-            </a:endParaRPr>
-          </a:p>
           <a:p>
             <a:pPr>
               <a:lnSpc>
@@ -6755,11 +6974,18 @@
               </a:lnSpc>
             </a:pPr>
             <a:r>
+              <a:rPr lang="en-IN" sz="2400" dirty="0" smtClean="0">
+                <a:latin typeface="+mn-lt"/>
+                <a:cs typeface="+mn-lt"/>
+              </a:rPr>
+              <a:t>Introduction </a:t>
+            </a:r>
+            <a:r>
               <a:rPr lang="en-IN" sz="2400" dirty="0">
                 <a:latin typeface="+mn-lt"/>
                 <a:cs typeface="+mn-lt"/>
               </a:rPr>
-              <a:t>Introduction to DBMS </a:t>
+              <a:t>to DBMS </a:t>
             </a:r>
             <a:endParaRPr lang="en-IN" sz="2400" dirty="0" smtClean="0">
               <a:latin typeface="+mn-lt"/>
@@ -6804,10 +7030,6 @@
               </a:rPr>
               <a:t>used.</a:t>
             </a:r>
-            <a:endParaRPr lang="en-IN" sz="2400" dirty="0" smtClean="0">
-              <a:latin typeface="+mn-lt"/>
-              <a:cs typeface="+mn-lt"/>
-            </a:endParaRPr>
           </a:p>
           <a:p>
             <a:pPr>
@@ -6831,20 +7053,17 @@
               <a:rPr lang="en-IN" dirty="0">
                 <a:cs typeface="+mn-lt"/>
               </a:rPr>
-              <a:t>level of abstraction(conceptual</a:t>
-            </a:r>
-            <a:r>
-              <a:rPr lang="en-US" altLang="en-IN" dirty="0">
+              <a:t>level of </a:t>
+            </a:r>
+            <a:r>
+              <a:rPr lang="en-IN" dirty="0" smtClean="0">
                 <a:cs typeface="+mn-lt"/>
               </a:rPr>
-              <a:t>,</a:t>
-            </a:r>
-            <a:r>
-              <a:rPr lang="en-IN" dirty="0">
-                <a:cs typeface="+mn-lt"/>
-              </a:rPr>
-              <a:t> physical and logical)</a:t>
-            </a:r>
+              <a:t>abstraction</a:t>
+            </a:r>
+            <a:endParaRPr lang="en-IN" dirty="0">
+              <a:cs typeface="+mn-lt"/>
+            </a:endParaRPr>
           </a:p>
           <a:p>
             <a:pPr>
@@ -6871,47 +7090,7 @@
               <a:rPr lang="en-IN" dirty="0"/>
               <a:t>Data Models </a:t>
             </a:r>
-            <a:r>
-              <a:rPr lang="en-IN" sz="2400" dirty="0" smtClean="0">
-                <a:latin typeface="+mn-lt"/>
-                <a:cs typeface="+mn-lt"/>
-              </a:rPr>
-              <a:t>: </a:t>
-            </a:r>
-            <a:r>
-              <a:rPr lang="en-IN" sz="2400" dirty="0">
-                <a:latin typeface="+mn-lt"/>
-                <a:cs typeface="+mn-lt"/>
-              </a:rPr>
-              <a:t>Introduction to Hierarchical Model, Network and Relational </a:t>
-            </a:r>
-            <a:r>
-              <a:rPr lang="en-IN" sz="2400" dirty="0" smtClean="0">
-                <a:latin typeface="+mn-lt"/>
-                <a:cs typeface="+mn-lt"/>
-              </a:rPr>
-              <a:t>Model, </a:t>
-            </a:r>
-            <a:r>
-              <a:rPr lang="en-IN" dirty="0"/>
-              <a:t>S</a:t>
-            </a:r>
-            <a:r>
-              <a:rPr lang="en-IN" dirty="0" smtClean="0"/>
-              <a:t>emi-structured </a:t>
-            </a:r>
-            <a:r>
-              <a:rPr lang="en-IN" dirty="0"/>
-              <a:t>data </a:t>
-            </a:r>
-            <a:r>
-              <a:rPr lang="en-IN" dirty="0" smtClean="0"/>
-              <a:t>model</a:t>
-            </a:r>
-            <a:endParaRPr lang="en-IN" dirty="0">
-              <a:latin typeface="+mn-lt"/>
-              <a:cs typeface="+mn-lt"/>
-            </a:endParaRPr>
+            <a:endParaRPr lang="en-IN" dirty="0" smtClean="0"/>
           </a:p>
           <a:p>
             <a:pPr>
@@ -6920,16 +7099,13 @@
               </a:lnSpc>
             </a:pPr>
             <a:r>
-              <a:rPr lang="en-IN" sz="2400" dirty="0" smtClean="0">
-                <a:latin typeface="+mn-lt"/>
-                <a:cs typeface="+mn-lt"/>
-              </a:rPr>
-              <a:t>Database client-server model</a:t>
-            </a:r>
-            <a:endParaRPr lang="en-IN" sz="2400" dirty="0">
-              <a:latin typeface="+mn-lt"/>
-              <a:cs typeface="+mn-lt"/>
-            </a:endParaRPr>
+              <a:rPr lang="en-IN" dirty="0" smtClean="0"/>
+              <a:t>DBMS </a:t>
+            </a:r>
+            <a:r>
+              <a:rPr lang="en-IN" dirty="0"/>
+              <a:t>- Architecture</a:t>
+            </a:r>
           </a:p>
         </p:txBody>
       </p:sp>
@@ -6977,67 +7153,124 @@
         </p:nvSpPr>
         <p:spPr>
           <a:xfrm>
-            <a:off x="609599" y="122555"/>
-            <a:ext cx="7304405" cy="715645"/>
-          </a:xfrm>
-        </p:spPr>
-        <p:txBody>
-          <a:bodyPr/>
-          <a:lstStyle/>
-          <a:p>
-            <a:r>
-              <a:rPr lang="" sz="3200" dirty="0" smtClean="0">
+            <a:off x="685799" y="245745"/>
+            <a:ext cx="7268845" cy="516255"/>
+          </a:xfrm>
+        </p:spPr>
+        <p:txBody>
+          <a:bodyPr>
+            <a:normAutofit fontScale="90000"/>
+          </a:bodyPr>
+          <a:lstStyle/>
+          <a:p>
+            <a:r>
+              <a:rPr lang="en-IN" sz="3200" dirty="0">
                 <a:latin typeface="+mn-lt"/>
                 <a:cs typeface="+mn-lt"/>
                 <a:sym typeface="+mn-ea"/>
               </a:rPr>
-              <a:t>D</a:t>
-            </a:r>
-            <a:r>
-              <a:rPr sz="3200" dirty="0" smtClean="0">
+              <a:t>Network Model</a:t>
+            </a:r>
+          </a:p>
+        </p:txBody>
+      </p:sp>
+      <p:sp>
+        <p:nvSpPr>
+          <p:cNvPr id="3" name="Content Placeholder 2"/>
+          <p:cNvSpPr>
+            <a:spLocks noGrp="1"/>
+          </p:cNvSpPr>
+          <p:nvPr>
+            <p:ph idx="1"/>
+          </p:nvPr>
+        </p:nvSpPr>
+        <p:spPr>
+          <a:xfrm>
+            <a:off x="535305" y="1511300"/>
+            <a:ext cx="8185150" cy="5052060"/>
+          </a:xfrm>
+        </p:spPr>
+        <p:txBody>
+          <a:bodyPr/>
+          <a:lstStyle/>
+          <a:p>
+            <a:pPr algn="just">
+              <a:lnSpc>
+                <a:spcPct val="120000"/>
+              </a:lnSpc>
+            </a:pPr>
+            <a:r>
+              <a:rPr lang="en-US" altLang="en-IN" sz="2400" dirty="0" smtClean="0">
+                <a:latin typeface="+mn-lt"/>
+                <a:cs typeface="+mn-lt"/>
+              </a:rPr>
+              <a:t>O</a:t>
+            </a:r>
+            <a:r>
+              <a:rPr lang="en-IN" sz="2400" dirty="0" smtClean="0">
+                <a:latin typeface="+mn-lt"/>
+                <a:cs typeface="+mn-lt"/>
+              </a:rPr>
+              <a:t>rganises data a more like a graph, and are allowed to have more than one parent node.</a:t>
+            </a:r>
+          </a:p>
+          <a:p>
+            <a:pPr algn="just">
+              <a:lnSpc>
+                <a:spcPct val="120000"/>
+              </a:lnSpc>
+            </a:pPr>
+            <a:r>
+              <a:rPr lang="en-IN" sz="2400" dirty="0" smtClean="0">
+                <a:latin typeface="+mn-lt"/>
+                <a:cs typeface="+mn-lt"/>
+              </a:rPr>
+              <a:t>data is more related as more relationships are established in this database model. </a:t>
+            </a:r>
+          </a:p>
+          <a:p>
+            <a:pPr algn="just">
+              <a:lnSpc>
+                <a:spcPct val="120000"/>
+              </a:lnSpc>
+            </a:pPr>
+            <a:r>
+              <a:rPr lang="en-IN" sz="2400" dirty="0" smtClean="0">
                 <a:latin typeface="+mn-lt"/>
                 <a:cs typeface="+mn-lt"/>
                 <a:sym typeface="+mn-ea"/>
               </a:rPr>
-              <a:t>ata model</a:t>
-            </a:r>
-            <a:r>
-              <a:rPr lang="" sz="3200" dirty="0" smtClean="0">
-                <a:latin typeface="+mn-lt"/>
-                <a:cs typeface="+mn-lt"/>
-                <a:sym typeface="+mn-ea"/>
-              </a:rPr>
-              <a:t>ling</a:t>
-            </a:r>
-          </a:p>
-        </p:txBody>
-      </p:sp>
-      <p:pic>
-        <p:nvPicPr>
-          <p:cNvPr id="5" name="Content Placeholder 4" descr="FireShot Capture 002 - Sanjay Gupta_ Difference between Conceptual, Logical and Physical Dat_ - uksanjay.blogspot.com"/>
-          <p:cNvPicPr>
-            <a:picLocks noGrp="1" noChangeAspect="1"/>
-          </p:cNvPicPr>
-          <p:nvPr>
-            <p:ph idx="1"/>
-          </p:nvPr>
-        </p:nvPicPr>
-        <p:blipFill>
-          <a:blip r:embed="rId2"/>
-          <a:stretch>
-            <a:fillRect/>
-          </a:stretch>
-        </p:blipFill>
-        <p:spPr>
-          <a:xfrm>
-            <a:off x="873760" y="1265555"/>
-            <a:ext cx="6690995" cy="4577715"/>
-          </a:xfrm>
-          <a:prstGeom prst="rect">
-            <a:avLst/>
-          </a:prstGeom>
-        </p:spPr>
-      </p:pic>
+              <a:t>many-to-many relationships between linked records</a:t>
+            </a:r>
+            <a:endParaRPr lang="en-IN" sz="2400" dirty="0" smtClean="0">
+              <a:latin typeface="+mn-lt"/>
+              <a:cs typeface="+mn-lt"/>
+            </a:endParaRPr>
+          </a:p>
+          <a:p>
+            <a:pPr algn="just">
+              <a:lnSpc>
+                <a:spcPct val="120000"/>
+              </a:lnSpc>
+            </a:pPr>
+            <a:endParaRPr lang="en-IN" sz="2400" dirty="0" smtClean="0">
+              <a:latin typeface="+mn-lt"/>
+              <a:cs typeface="+mn-lt"/>
+            </a:endParaRPr>
+          </a:p>
+          <a:p>
+            <a:pPr algn="just">
+              <a:lnSpc>
+                <a:spcPct val="120000"/>
+              </a:lnSpc>
+            </a:pPr>
+            <a:endParaRPr lang="en-IN" sz="2400" dirty="0" smtClean="0">
+              <a:latin typeface="+mn-lt"/>
+              <a:cs typeface="+mn-lt"/>
+            </a:endParaRPr>
+          </a:p>
+        </p:txBody>
+      </p:sp>
     </p:spTree>
   </p:cSld>
   <p:clrMapOvr>
@@ -7082,44 +7315,30 @@
         </p:nvSpPr>
         <p:spPr>
           <a:xfrm>
-            <a:off x="685799" y="122555"/>
-            <a:ext cx="7228205" cy="715645"/>
-          </a:xfrm>
-        </p:spPr>
-        <p:txBody>
-          <a:bodyPr/>
-          <a:lstStyle/>
-          <a:p>
-            <a:r>
-              <a:rPr lang="en-US" sz="3200" dirty="0" smtClean="0">
+            <a:off x="990599" y="245745"/>
+            <a:ext cx="6964045" cy="516255"/>
+          </a:xfrm>
+        </p:spPr>
+        <p:txBody>
+          <a:bodyPr>
+            <a:normAutofit fontScale="90000"/>
+          </a:bodyPr>
+          <a:lstStyle/>
+          <a:p>
+            <a:r>
+              <a:rPr lang="en-IN" sz="3200" dirty="0">
                 <a:latin typeface="+mn-lt"/>
                 <a:cs typeface="+mn-lt"/>
                 <a:sym typeface="+mn-ea"/>
               </a:rPr>
-              <a:t>D</a:t>
-            </a:r>
-            <a:r>
-              <a:rPr sz="3200" dirty="0" smtClean="0">
-                <a:latin typeface="+mn-lt"/>
-                <a:cs typeface="+mn-lt"/>
-                <a:sym typeface="+mn-ea"/>
-              </a:rPr>
-              <a:t>ata model</a:t>
-            </a:r>
-            <a:r>
-              <a:rPr lang="en-US" sz="3200" dirty="0" smtClean="0">
-                <a:latin typeface="+mn-lt"/>
-                <a:cs typeface="+mn-lt"/>
-                <a:sym typeface="+mn-ea"/>
-              </a:rPr>
-              <a:t>ling</a:t>
+              <a:t>Network Model</a:t>
             </a:r>
           </a:p>
         </p:txBody>
       </p:sp>
       <p:pic>
         <p:nvPicPr>
-          <p:cNvPr id="5" name="Content Placeholder 4" descr="/media/jishnu/CC405AEC405ADCB0/Repositories/Training-Materials/Database Technologies/Raw Sources/FireShot Capture 001 - Sanjay Gupta_ Difference between Conceptual, Logical and Physical Dat_ - uksanjay.blogspot.com.pngFireShot Capture 001 - Sanjay Gupta_ Difference between Conceptual, Logical and Physical Dat_ - uksanjay.blogspot.com"/>
+          <p:cNvPr id="5" name="Content Placeholder 4" descr="/media/jishnu/CC405AEC405ADCB0/Repositories/Training-Materials/Database Technologies/Raw Sources/network-model.svgnetwork-model"/>
           <p:cNvPicPr>
             <a:picLocks noGrp="1" noChangeAspect="1"/>
           </p:cNvPicPr>
@@ -7128,7 +7347,13 @@
           </p:nvPr>
         </p:nvPicPr>
         <p:blipFill>
-          <a:blip r:embed="rId2"/>
+          <a:blip r:embed="rId2">
+            <a:extLst>
+              <a:ext uri="{96DAC541-7B7A-43D3-8B79-37D633B846F1}">
+                <asvg:svgBlip xmlns="" xmlns:asvg="http://schemas.microsoft.com/office/drawing/2016/SVG/main" r:embed="rId3"/>
+              </a:ext>
+            </a:extLst>
+          </a:blip>
           <a:srcRect/>
           <a:stretch>
             <a:fillRect/>
@@ -7136,8 +7361,8 @@
         </p:blipFill>
         <p:spPr>
           <a:xfrm>
-            <a:off x="887095" y="1265555"/>
-            <a:ext cx="6664325" cy="4577715"/>
+            <a:off x="1777998" y="1066800"/>
+            <a:ext cx="5389245" cy="5006340"/>
           </a:xfrm>
           <a:prstGeom prst="rect">
             <a:avLst/>
@@ -7145,6 +7370,566 @@
         </p:spPr>
       </p:pic>
     </p:spTree>
+  </p:cSld>
+  <p:clrMapOvr>
+    <a:masterClrMapping/>
+  </p:clrMapOvr>
+  <p:timing>
+    <p:tnLst>
+      <p:par>
+        <p:cTn id="1" dur="indefinite" restart="never" nodeType="tmRoot"/>
+      </p:par>
+    </p:tnLst>
+  </p:timing>
+</p:sld>
+</file>
+
+<file path=ppt/slides/slide22.xml><?xml version="1.0" encoding="utf-8"?>
+<p:sld xmlns:a="http://schemas.openxmlformats.org/drawingml/2006/main" xmlns:r="http://schemas.openxmlformats.org/officeDocument/2006/relationships" xmlns:p="http://schemas.openxmlformats.org/presentationml/2006/main">
+  <p:cSld>
+    <p:spTree>
+      <p:nvGrpSpPr>
+        <p:cNvPr id="1" name=""/>
+        <p:cNvGrpSpPr/>
+        <p:nvPr/>
+      </p:nvGrpSpPr>
+      <p:grpSpPr>
+        <a:xfrm>
+          <a:off x="0" y="0"/>
+          <a:ext cx="0" cy="0"/>
+          <a:chOff x="0" y="0"/>
+          <a:chExt cx="0" cy="0"/>
+        </a:xfrm>
+      </p:grpSpPr>
+      <p:sp>
+        <p:nvSpPr>
+          <p:cNvPr id="2" name="Title 1"/>
+          <p:cNvSpPr>
+            <a:spLocks noGrp="1"/>
+          </p:cNvSpPr>
+          <p:nvPr>
+            <p:ph type="title"/>
+          </p:nvPr>
+        </p:nvSpPr>
+        <p:spPr/>
+        <p:txBody>
+          <a:bodyPr/>
+          <a:lstStyle/>
+          <a:p>
+            <a:r>
+              <a:rPr lang="en-IN" dirty="0" smtClean="0"/>
+              <a:t>DBMS Architecture</a:t>
+            </a:r>
+            <a:endParaRPr lang="en-IN" dirty="0"/>
+          </a:p>
+        </p:txBody>
+      </p:sp>
+      <p:sp>
+        <p:nvSpPr>
+          <p:cNvPr id="3" name="Content Placeholder 2"/>
+          <p:cNvSpPr>
+            <a:spLocks noGrp="1"/>
+          </p:cNvSpPr>
+          <p:nvPr>
+            <p:ph sz="half" idx="1"/>
+          </p:nvPr>
+        </p:nvSpPr>
+        <p:spPr/>
+        <p:txBody>
+          <a:bodyPr/>
+          <a:lstStyle/>
+          <a:p>
+            <a:pPr marL="0" indent="0">
+              <a:buNone/>
+            </a:pPr>
+            <a:r>
+              <a:rPr lang="en-IN" b="1" dirty="0"/>
+              <a:t>1-tier </a:t>
+            </a:r>
+            <a:r>
+              <a:rPr lang="en-IN" b="1" dirty="0" smtClean="0"/>
+              <a:t>architecture</a:t>
+            </a:r>
+          </a:p>
+          <a:p>
+            <a:r>
+              <a:rPr lang="en-US" dirty="0"/>
+              <a:t>O</a:t>
+            </a:r>
+            <a:r>
+              <a:rPr lang="en-US" dirty="0" smtClean="0"/>
+              <a:t>nly </a:t>
+            </a:r>
+            <a:r>
+              <a:rPr lang="en-US" dirty="0"/>
+              <a:t>entity where the user directly sits on the DBMS and uses </a:t>
+            </a:r>
+            <a:r>
+              <a:rPr lang="en-US" dirty="0" smtClean="0"/>
+              <a:t>it</a:t>
+            </a:r>
+          </a:p>
+          <a:p>
+            <a:r>
+              <a:rPr lang="en-US" dirty="0" smtClean="0"/>
+              <a:t> </a:t>
+            </a:r>
+            <a:r>
+              <a:rPr lang="en-US" dirty="0"/>
+              <a:t>Anytime you install a DB in your system and access it to </a:t>
+            </a:r>
+            <a:r>
+              <a:rPr lang="en-US" dirty="0" err="1"/>
+              <a:t>practise</a:t>
+            </a:r>
+            <a:r>
+              <a:rPr lang="en-US" dirty="0"/>
+              <a:t> SQL queries it is 1 tier architecture</a:t>
+            </a:r>
+            <a:endParaRPr lang="en-IN" dirty="0"/>
+          </a:p>
+        </p:txBody>
+      </p:sp>
+      <p:pic>
+        <p:nvPicPr>
+          <p:cNvPr id="5" name="Content Placeholder 4"/>
+          <p:cNvPicPr>
+            <a:picLocks noGrp="1" noChangeAspect="1"/>
+          </p:cNvPicPr>
+          <p:nvPr>
+            <p:ph sz="half" idx="2"/>
+          </p:nvPr>
+        </p:nvPicPr>
+        <p:blipFill>
+          <a:blip r:embed="rId2">
+            <a:extLst>
+              <a:ext uri="{28A0092B-C50C-407E-A947-70E740481C1C}">
+                <a14:useLocalDpi xmlns:a14="http://schemas.microsoft.com/office/drawing/2010/main" val="0"/>
+              </a:ext>
+            </a:extLst>
+          </a:blip>
+          <a:stretch>
+            <a:fillRect/>
+          </a:stretch>
+        </p:blipFill>
+        <p:spPr>
+          <a:xfrm>
+            <a:off x="5486400" y="2362200"/>
+            <a:ext cx="3000375" cy="2362200"/>
+          </a:xfrm>
+        </p:spPr>
+      </p:pic>
+    </p:spTree>
+    <p:extLst>
+      <p:ext uri="{BB962C8B-B14F-4D97-AF65-F5344CB8AC3E}">
+        <p14:creationId xmlns:p14="http://schemas.microsoft.com/office/powerpoint/2010/main" val="2151294686"/>
+      </p:ext>
+    </p:extLst>
+  </p:cSld>
+  <p:clrMapOvr>
+    <a:masterClrMapping/>
+  </p:clrMapOvr>
+  <p:timing>
+    <p:tnLst>
+      <p:par>
+        <p:cTn id="1" dur="indefinite" restart="never" nodeType="tmRoot"/>
+      </p:par>
+    </p:tnLst>
+  </p:timing>
+</p:sld>
+</file>
+
+<file path=ppt/slides/slide23.xml><?xml version="1.0" encoding="utf-8"?>
+<p:sld xmlns:a="http://schemas.openxmlformats.org/drawingml/2006/main" xmlns:r="http://schemas.openxmlformats.org/officeDocument/2006/relationships" xmlns:p="http://schemas.openxmlformats.org/presentationml/2006/main">
+  <p:cSld>
+    <p:spTree>
+      <p:nvGrpSpPr>
+        <p:cNvPr id="1" name=""/>
+        <p:cNvGrpSpPr/>
+        <p:nvPr/>
+      </p:nvGrpSpPr>
+      <p:grpSpPr>
+        <a:xfrm>
+          <a:off x="0" y="0"/>
+          <a:ext cx="0" cy="0"/>
+          <a:chOff x="0" y="0"/>
+          <a:chExt cx="0" cy="0"/>
+        </a:xfrm>
+      </p:grpSpPr>
+      <p:sp>
+        <p:nvSpPr>
+          <p:cNvPr id="2" name="Title 1"/>
+          <p:cNvSpPr>
+            <a:spLocks noGrp="1"/>
+          </p:cNvSpPr>
+          <p:nvPr>
+            <p:ph type="title"/>
+          </p:nvPr>
+        </p:nvSpPr>
+        <p:spPr/>
+        <p:txBody>
+          <a:bodyPr/>
+          <a:lstStyle/>
+          <a:p>
+            <a:r>
+              <a:rPr lang="en-IN" dirty="0" smtClean="0"/>
+              <a:t>DBMS Architecture</a:t>
+            </a:r>
+            <a:endParaRPr lang="en-IN" dirty="0"/>
+          </a:p>
+        </p:txBody>
+      </p:sp>
+      <p:sp>
+        <p:nvSpPr>
+          <p:cNvPr id="3" name="Content Placeholder 2"/>
+          <p:cNvSpPr>
+            <a:spLocks noGrp="1"/>
+          </p:cNvSpPr>
+          <p:nvPr>
+            <p:ph sz="half" idx="1"/>
+          </p:nvPr>
+        </p:nvSpPr>
+        <p:spPr>
+          <a:xfrm>
+            <a:off x="628650" y="1825625"/>
+            <a:ext cx="4400550" cy="4351338"/>
+          </a:xfrm>
+        </p:spPr>
+        <p:txBody>
+          <a:bodyPr>
+            <a:normAutofit/>
+          </a:bodyPr>
+          <a:lstStyle/>
+          <a:p>
+            <a:pPr marL="0" indent="0">
+              <a:buNone/>
+            </a:pPr>
+            <a:r>
+              <a:rPr lang="en-IN" b="1" dirty="0"/>
+              <a:t>2</a:t>
+            </a:r>
+            <a:r>
+              <a:rPr lang="en-IN" b="1" dirty="0" smtClean="0"/>
+              <a:t>-tier architecture</a:t>
+            </a:r>
+          </a:p>
+          <a:p>
+            <a:r>
+              <a:rPr lang="en-US" dirty="0"/>
+              <a:t>Presentation layer runs on a client (PC, Mobile, Tablet, </a:t>
+            </a:r>
+            <a:r>
+              <a:rPr lang="en-US" dirty="0" err="1"/>
+              <a:t>etc</a:t>
+            </a:r>
+            <a:r>
+              <a:rPr lang="en-US" dirty="0"/>
+              <a:t>)</a:t>
+            </a:r>
+          </a:p>
+          <a:p>
+            <a:r>
+              <a:rPr lang="en-US" dirty="0"/>
+              <a:t>Data is stored on a Server.</a:t>
+            </a:r>
+          </a:p>
+          <a:p>
+            <a:r>
+              <a:rPr lang="en-US" dirty="0" smtClean="0"/>
+              <a:t> </a:t>
+            </a:r>
+            <a:r>
+              <a:rPr lang="en-US" dirty="0"/>
+              <a:t>An application interface </a:t>
+            </a:r>
+            <a:r>
+              <a:rPr lang="en-US" dirty="0" smtClean="0"/>
+              <a:t>allows </a:t>
+            </a:r>
+            <a:r>
+              <a:rPr lang="en-US" dirty="0"/>
+              <a:t>the client-side program to call the DBMS. </a:t>
+            </a:r>
+            <a:endParaRPr lang="en-US" dirty="0" smtClean="0"/>
+          </a:p>
+          <a:p>
+            <a:r>
+              <a:rPr lang="en-US" dirty="0" smtClean="0"/>
+              <a:t>2 </a:t>
+            </a:r>
+            <a:r>
+              <a:rPr lang="en-US" dirty="0"/>
+              <a:t>tier </a:t>
+            </a:r>
+            <a:r>
+              <a:rPr lang="en-US" dirty="0" smtClean="0"/>
+              <a:t>architecture provides </a:t>
+            </a:r>
+            <a:r>
+              <a:rPr lang="en-US" dirty="0"/>
+              <a:t>added security to the DBMS as it is not exposed to the end user </a:t>
+            </a:r>
+            <a:r>
+              <a:rPr lang="en-US" dirty="0" smtClean="0"/>
+              <a:t>directly</a:t>
+            </a:r>
+            <a:endParaRPr lang="en-IN" dirty="0"/>
+          </a:p>
+        </p:txBody>
+      </p:sp>
+      <p:pic>
+        <p:nvPicPr>
+          <p:cNvPr id="5" name="Content Placeholder 4"/>
+          <p:cNvPicPr>
+            <a:picLocks noGrp="1" noChangeAspect="1"/>
+          </p:cNvPicPr>
+          <p:nvPr>
+            <p:ph sz="half" idx="2"/>
+          </p:nvPr>
+        </p:nvPicPr>
+        <p:blipFill>
+          <a:blip r:embed="rId2">
+            <a:extLst>
+              <a:ext uri="{28A0092B-C50C-407E-A947-70E740481C1C}">
+                <a14:useLocalDpi xmlns:a14="http://schemas.microsoft.com/office/drawing/2010/main" val="0"/>
+              </a:ext>
+            </a:extLst>
+          </a:blip>
+          <a:stretch>
+            <a:fillRect/>
+          </a:stretch>
+        </p:blipFill>
+        <p:spPr>
+          <a:xfrm>
+            <a:off x="5441657" y="1825625"/>
+            <a:ext cx="3213222" cy="3356769"/>
+          </a:xfrm>
+        </p:spPr>
+      </p:pic>
+    </p:spTree>
+    <p:extLst>
+      <p:ext uri="{BB962C8B-B14F-4D97-AF65-F5344CB8AC3E}">
+        <p14:creationId xmlns:p14="http://schemas.microsoft.com/office/powerpoint/2010/main" val="4003970597"/>
+      </p:ext>
+    </p:extLst>
+  </p:cSld>
+  <p:clrMapOvr>
+    <a:masterClrMapping/>
+  </p:clrMapOvr>
+  <p:timing>
+    <p:tnLst>
+      <p:par>
+        <p:cTn id="1" dur="indefinite" restart="never" nodeType="tmRoot"/>
+      </p:par>
+    </p:tnLst>
+  </p:timing>
+</p:sld>
+</file>
+
+<file path=ppt/slides/slide24.xml><?xml version="1.0" encoding="utf-8"?>
+<p:sld xmlns:a="http://schemas.openxmlformats.org/drawingml/2006/main" xmlns:r="http://schemas.openxmlformats.org/officeDocument/2006/relationships" xmlns:p="http://schemas.openxmlformats.org/presentationml/2006/main">
+  <p:cSld>
+    <p:spTree>
+      <p:nvGrpSpPr>
+        <p:cNvPr id="1" name=""/>
+        <p:cNvGrpSpPr/>
+        <p:nvPr/>
+      </p:nvGrpSpPr>
+      <p:grpSpPr>
+        <a:xfrm>
+          <a:off x="0" y="0"/>
+          <a:ext cx="0" cy="0"/>
+          <a:chOff x="0" y="0"/>
+          <a:chExt cx="0" cy="0"/>
+        </a:xfrm>
+      </p:grpSpPr>
+      <p:sp>
+        <p:nvSpPr>
+          <p:cNvPr id="2" name="Title 1"/>
+          <p:cNvSpPr>
+            <a:spLocks noGrp="1"/>
+          </p:cNvSpPr>
+          <p:nvPr>
+            <p:ph type="title"/>
+          </p:nvPr>
+        </p:nvSpPr>
+        <p:spPr/>
+        <p:txBody>
+          <a:bodyPr/>
+          <a:lstStyle/>
+          <a:p>
+            <a:r>
+              <a:rPr lang="en-IN" dirty="0" smtClean="0"/>
+              <a:t>DBMS Architecture</a:t>
+            </a:r>
+            <a:endParaRPr lang="en-IN" dirty="0"/>
+          </a:p>
+        </p:txBody>
+      </p:sp>
+      <p:sp>
+        <p:nvSpPr>
+          <p:cNvPr id="3" name="Content Placeholder 2"/>
+          <p:cNvSpPr>
+            <a:spLocks noGrp="1"/>
+          </p:cNvSpPr>
+          <p:nvPr>
+            <p:ph sz="half" idx="1"/>
+          </p:nvPr>
+        </p:nvSpPr>
+        <p:spPr>
+          <a:xfrm>
+            <a:off x="628650" y="1143000"/>
+            <a:ext cx="4400550" cy="5029200"/>
+          </a:xfrm>
+        </p:spPr>
+        <p:txBody>
+          <a:bodyPr>
+            <a:normAutofit/>
+          </a:bodyPr>
+          <a:lstStyle/>
+          <a:p>
+            <a:pPr marL="0" indent="0">
+              <a:buNone/>
+            </a:pPr>
+            <a:r>
+              <a:rPr lang="en-IN" sz="2000" b="1" dirty="0"/>
+              <a:t>3</a:t>
+            </a:r>
+            <a:r>
+              <a:rPr lang="en-IN" sz="2000" b="1" dirty="0" smtClean="0"/>
+              <a:t>-tier architecture</a:t>
+            </a:r>
+          </a:p>
+          <a:p>
+            <a:r>
+              <a:rPr lang="en-US" sz="2200" b="1" dirty="0"/>
+              <a:t>Database (Data) Tier</a:t>
+            </a:r>
+            <a:r>
+              <a:rPr lang="en-US" sz="2200" dirty="0"/>
+              <a:t> − At this tier, the database resides along with its query processing languages </a:t>
+            </a:r>
+            <a:r>
+              <a:rPr lang="en-US" sz="2200" dirty="0" smtClean="0"/>
+              <a:t>Data </a:t>
+            </a:r>
+            <a:r>
+              <a:rPr lang="en-US" sz="2200" dirty="0"/>
+              <a:t>is stored on a Server.</a:t>
+            </a:r>
+          </a:p>
+          <a:p>
+            <a:r>
+              <a:rPr lang="en-US" sz="2200" b="1" dirty="0"/>
+              <a:t>Application (Middle) Tier</a:t>
+            </a:r>
+            <a:r>
+              <a:rPr lang="en-US" sz="2200" dirty="0"/>
+              <a:t> − At this tier reside the application server and the programs that access the database </a:t>
+            </a:r>
+            <a:r>
+              <a:rPr lang="en-US" sz="2200" dirty="0" smtClean="0"/>
+              <a:t>and business logic</a:t>
+            </a:r>
+          </a:p>
+          <a:p>
+            <a:r>
+              <a:rPr lang="en-IN" sz="2200" b="1" dirty="0"/>
+              <a:t>User (Presentation) </a:t>
+            </a:r>
+            <a:r>
+              <a:rPr lang="en-IN" sz="2200" b="1" dirty="0" err="1" smtClean="0"/>
+              <a:t>Ti</a:t>
+            </a:r>
+            <a:r>
+              <a:rPr lang="en-IN" sz="2200" b="1" dirty="0"/>
+              <a:t> </a:t>
+            </a:r>
+            <a:r>
+              <a:rPr lang="en-IN" sz="2200" b="1" dirty="0" err="1"/>
+              <a:t>er</a:t>
+            </a:r>
+            <a:r>
+              <a:rPr lang="en-IN" sz="2200" dirty="0"/>
+              <a:t> − </a:t>
+            </a:r>
+            <a:r>
+              <a:rPr lang="en-US" sz="2200" dirty="0" smtClean="0"/>
+              <a:t> </a:t>
+            </a:r>
+            <a:r>
+              <a:rPr lang="en-US" sz="2200" dirty="0"/>
+              <a:t>At this layer, multiple views of the database can be provided by the application. </a:t>
+            </a:r>
+            <a:endParaRPr lang="en-IN" sz="2200" dirty="0"/>
+          </a:p>
+        </p:txBody>
+      </p:sp>
+      <p:pic>
+        <p:nvPicPr>
+          <p:cNvPr id="5" name="Content Placeholder 4"/>
+          <p:cNvPicPr>
+            <a:picLocks noGrp="1" noChangeAspect="1"/>
+          </p:cNvPicPr>
+          <p:nvPr>
+            <p:ph sz="half" idx="2"/>
+          </p:nvPr>
+        </p:nvPicPr>
+        <p:blipFill>
+          <a:blip r:embed="rId2">
+            <a:extLst>
+              <a:ext uri="{28A0092B-C50C-407E-A947-70E740481C1C}">
+                <a14:useLocalDpi xmlns:a14="http://schemas.microsoft.com/office/drawing/2010/main" val="0"/>
+              </a:ext>
+            </a:extLst>
+          </a:blip>
+          <a:stretch>
+            <a:fillRect/>
+          </a:stretch>
+        </p:blipFill>
+        <p:spPr>
+          <a:xfrm>
+            <a:off x="5562600" y="990600"/>
+            <a:ext cx="3213222" cy="1295584"/>
+          </a:xfrm>
+        </p:spPr>
+      </p:pic>
+      <p:pic>
+        <p:nvPicPr>
+          <p:cNvPr id="4" name="Picture 3"/>
+          <p:cNvPicPr>
+            <a:picLocks noChangeAspect="1"/>
+          </p:cNvPicPr>
+          <p:nvPr/>
+        </p:nvPicPr>
+        <p:blipFill>
+          <a:blip r:embed="rId3">
+            <a:extLst>
+              <a:ext uri="{28A0092B-C50C-407E-A947-70E740481C1C}">
+                <a14:useLocalDpi xmlns:a14="http://schemas.microsoft.com/office/drawing/2010/main" val="0"/>
+              </a:ext>
+            </a:extLst>
+          </a:blip>
+          <a:stretch>
+            <a:fillRect/>
+          </a:stretch>
+        </p:blipFill>
+        <p:spPr>
+          <a:xfrm>
+            <a:off x="5549590" y="2590800"/>
+            <a:ext cx="3359211" cy="3779112"/>
+          </a:xfrm>
+          <a:prstGeom prst="rect">
+            <a:avLst/>
+          </a:prstGeom>
+        </p:spPr>
+      </p:pic>
+    </p:spTree>
+    <p:extLst>
+      <p:ext uri="{BB962C8B-B14F-4D97-AF65-F5344CB8AC3E}">
+        <p14:creationId xmlns:p14="http://schemas.microsoft.com/office/powerpoint/2010/main" val="889589303"/>
+      </p:ext>
+    </p:extLst>
   </p:cSld>
   <p:clrMapOvr>
     <a:masterClrMapping/>
@@ -7416,28 +8201,16 @@
           <a:lstStyle/>
           <a:p>
             <a:r>
-              <a:rPr lang="en-US" altLang="en-IN" sz="3200" dirty="0">
-                <a:latin typeface="+mn-lt"/>
-                <a:cs typeface="+mn-lt"/>
-                <a:sym typeface="+mn-ea"/>
-              </a:rPr>
-              <a:t>Why use</a:t>
-            </a:r>
-            <a:r>
-              <a:rPr lang="en-IN" sz="3200" dirty="0">
-                <a:latin typeface="+mn-lt"/>
-                <a:cs typeface="+mn-lt"/>
-                <a:sym typeface="+mn-ea"/>
-              </a:rPr>
-              <a:t> DBMS </a:t>
-            </a:r>
-            <a:r>
-              <a:rPr lang="en-US" altLang="en-IN" sz="3200" dirty="0">
-                <a:latin typeface="+mn-lt"/>
-                <a:cs typeface="+mn-lt"/>
-                <a:sym typeface="+mn-ea"/>
-              </a:rPr>
-              <a:t>?</a:t>
+              <a:rPr lang="en-GB" dirty="0"/>
+              <a:t>W</a:t>
+            </a:r>
+            <a:r>
+              <a:rPr lang="en-GB" dirty="0" smtClean="0"/>
+              <a:t>hy </a:t>
+            </a:r>
+            <a:r>
+              <a:rPr lang="en-GB" dirty="0"/>
+              <a:t>we need databases ?</a:t>
             </a:r>
             <a:endParaRPr lang="en-US" altLang="en-IN" sz="3200" dirty="0">
               <a:latin typeface="+mn-lt"/>
@@ -7466,57 +8239,91 @@
         </p:spPr>
         <p:txBody>
           <a:bodyPr>
-            <a:normAutofit lnSpcReduction="10000"/>
+            <a:normAutofit/>
           </a:bodyPr>
           <a:lstStyle/>
+          <a:p>
+            <a:pPr fontAlgn="ctr">
+              <a:lnSpc>
+                <a:spcPct val="150000"/>
+              </a:lnSpc>
+            </a:pPr>
+            <a:r>
+              <a:rPr lang="en-GB" dirty="0"/>
+              <a:t>D</a:t>
+            </a:r>
+            <a:r>
+              <a:rPr lang="en-GB" dirty="0" smtClean="0"/>
+              <a:t>atabase </a:t>
+            </a:r>
+            <a:r>
+              <a:rPr lang="en-GB" dirty="0"/>
+              <a:t>management system contains information about a particular enterprise.</a:t>
+            </a:r>
+          </a:p>
+          <a:p>
+            <a:pPr>
+              <a:lnSpc>
+                <a:spcPct val="150000"/>
+              </a:lnSpc>
+            </a:pPr>
+            <a:r>
+              <a:rPr lang="en-GB" dirty="0"/>
+              <a:t>C</a:t>
+            </a:r>
+            <a:r>
+              <a:rPr lang="en-GB" dirty="0" smtClean="0"/>
+              <a:t>ollection </a:t>
+            </a:r>
+            <a:r>
+              <a:rPr lang="en-GB" dirty="0"/>
+              <a:t>of interrelated data. </a:t>
+            </a:r>
+          </a:p>
+          <a:p>
+            <a:pPr fontAlgn="ctr">
+              <a:lnSpc>
+                <a:spcPct val="150000"/>
+              </a:lnSpc>
+            </a:pPr>
+            <a:r>
+              <a:rPr lang="en-GB" dirty="0"/>
+              <a:t>A</a:t>
+            </a:r>
+            <a:r>
+              <a:rPr lang="en-GB" dirty="0" smtClean="0"/>
+              <a:t> </a:t>
+            </a:r>
+            <a:r>
+              <a:rPr lang="en-GB" dirty="0"/>
+              <a:t>set of programs which access and manipulate that data</a:t>
+            </a:r>
+          </a:p>
+          <a:p>
+            <a:pPr fontAlgn="ctr">
+              <a:lnSpc>
+                <a:spcPct val="150000"/>
+              </a:lnSpc>
+            </a:pPr>
+            <a:r>
+              <a:rPr lang="en-GB" dirty="0"/>
+              <a:t>A</a:t>
+            </a:r>
+            <a:r>
+              <a:rPr lang="en-GB" dirty="0" smtClean="0"/>
+              <a:t>n </a:t>
+            </a:r>
+            <a:r>
+              <a:rPr lang="en-GB" dirty="0"/>
+              <a:t>environment for convenient as well as efficient use of data </a:t>
+            </a:r>
+          </a:p>
           <a:p>
             <a:pPr algn="just">
               <a:lnSpc>
-                <a:spcPct val="120000"/>
+                <a:spcPct val="150000"/>
               </a:lnSpc>
             </a:pPr>
-            <a:r>
-              <a:rPr lang="en-IN" sz="2400" b="1" dirty="0" smtClean="0">
-                <a:latin typeface="+mn-lt"/>
-                <a:cs typeface="+mn-lt"/>
-              </a:rPr>
-              <a:t>Data independence</a:t>
-            </a:r>
-            <a:r>
-              <a:rPr lang="en-IN" sz="2400" dirty="0" smtClean="0">
-                <a:latin typeface="+mn-lt"/>
-                <a:cs typeface="+mn-lt"/>
-              </a:rPr>
-              <a:t>: Application programs should be as free or independent as possible from details of data representation and storage.</a:t>
-            </a:r>
-          </a:p>
-          <a:p>
-            <a:pPr algn="just">
-              <a:lnSpc>
-                <a:spcPct val="120000"/>
-              </a:lnSpc>
-            </a:pPr>
-            <a:r>
-              <a:rPr lang="en-IN" sz="2400" b="1" dirty="0" smtClean="0">
-                <a:latin typeface="+mn-lt"/>
-                <a:cs typeface="+mn-lt"/>
-              </a:rPr>
-              <a:t>Efficient data access</a:t>
-            </a:r>
-            <a:r>
-              <a:rPr lang="en-IN" sz="2400" dirty="0" smtClean="0">
-                <a:latin typeface="+mn-lt"/>
-                <a:cs typeface="+mn-lt"/>
-              </a:rPr>
-              <a:t>: DBMS utilizes a mixture of sophisticated concepts and techniques for storing and retrieving data competently</a:t>
-            </a:r>
-            <a:r>
-              <a:rPr lang="en-US" altLang="en-IN" sz="2400" dirty="0" smtClean="0">
-                <a:latin typeface="+mn-lt"/>
-                <a:cs typeface="+mn-lt"/>
-              </a:rPr>
-              <a:t>.</a:t>
-            </a:r>
             <a:endParaRPr lang="en-IN" sz="2400" dirty="0" smtClean="0">
               <a:latin typeface="+mn-lt"/>
               <a:cs typeface="+mn-lt"/>
@@ -7525,66 +8332,9 @@
           <a:p>
             <a:pPr algn="just">
               <a:lnSpc>
-                <a:spcPct val="120000"/>
+                <a:spcPct val="150000"/>
               </a:lnSpc>
             </a:pPr>
-            <a:r>
-              <a:rPr lang="en-IN" sz="2400" b="1" dirty="0" smtClean="0">
-                <a:latin typeface="+mn-lt"/>
-                <a:cs typeface="+mn-lt"/>
-                <a:sym typeface="+mn-ea"/>
-              </a:rPr>
-              <a:t>Data integrity and security</a:t>
-            </a:r>
-            <a:r>
-              <a:rPr lang="en-IN" sz="2400" dirty="0" smtClean="0">
-                <a:latin typeface="+mn-lt"/>
-                <a:cs typeface="+mn-lt"/>
-                <a:sym typeface="+mn-ea"/>
-              </a:rPr>
-              <a:t>: If data is accessed through the DBMS, the DBMS can enforce integrity constraints on the data.</a:t>
-            </a:r>
-            <a:endParaRPr lang="en-IN" sz="2400" dirty="0" smtClean="0">
-              <a:latin typeface="+mn-lt"/>
-              <a:cs typeface="+mn-lt"/>
-            </a:endParaRPr>
-          </a:p>
-          <a:p>
-            <a:pPr algn="just">
-              <a:lnSpc>
-                <a:spcPct val="120000"/>
-              </a:lnSpc>
-            </a:pPr>
-            <a:r>
-              <a:rPr lang="en-IN" sz="2400" b="1" dirty="0" smtClean="0">
-                <a:latin typeface="+mn-lt"/>
-                <a:cs typeface="+mn-lt"/>
-                <a:sym typeface="+mn-ea"/>
-              </a:rPr>
-              <a:t>Data administration</a:t>
-            </a:r>
-            <a:r>
-              <a:rPr lang="en-IN" sz="2400" dirty="0" smtClean="0">
-                <a:latin typeface="+mn-lt"/>
-                <a:cs typeface="+mn-lt"/>
-                <a:sym typeface="+mn-ea"/>
-              </a:rPr>
-              <a:t>: When several users share the data, integrating the administration of data can offer major improvements.</a:t>
-            </a:r>
-            <a:endParaRPr lang="en-IN" sz="2400" dirty="0" smtClean="0">
-              <a:latin typeface="+mn-lt"/>
-              <a:cs typeface="+mn-lt"/>
-            </a:endParaRPr>
-          </a:p>
-          <a:p>
-            <a:pPr algn="just"/>
-            <a:endParaRPr lang="en-IN" sz="2400" dirty="0" smtClean="0">
-              <a:latin typeface="+mn-lt"/>
-              <a:cs typeface="+mn-lt"/>
-            </a:endParaRPr>
-          </a:p>
-          <a:p>
-            <a:pPr algn="just"/>
             <a:endParaRPr lang="en-IN" sz="2400" dirty="0" smtClean="0">
               <a:latin typeface="+mn-lt"/>
               <a:cs typeface="+mn-lt"/>
@@ -7873,29 +8623,44 @@
         </p:nvSpPr>
         <p:spPr>
           <a:xfrm>
-            <a:off x="761999" y="245745"/>
-            <a:ext cx="7192645" cy="516255"/>
+            <a:off x="628650" y="304800"/>
+            <a:ext cx="7117773" cy="580447"/>
           </a:xfrm>
         </p:spPr>
         <p:txBody>
           <a:bodyPr>
-            <a:normAutofit fontScale="90000"/>
+            <a:noAutofit/>
           </a:bodyPr>
           <a:lstStyle/>
           <a:p>
             <a:r>
-              <a:rPr lang="en-IN" sz="3200" dirty="0">
-                <a:latin typeface="+mn-lt"/>
-                <a:cs typeface="+mn-lt"/>
-                <a:sym typeface="+mn-ea"/>
-              </a:rPr>
-              <a:t>Areas where DBMS are used</a:t>
-            </a:r>
-            <a:endParaRPr lang="en-US" altLang="en-US" sz="3200" dirty="0">
-              <a:latin typeface="+mj-lt"/>
-              <a:ea typeface="Noto Serif CJK JP" panose="02020400000000000000" charset="-122"/>
-              <a:cs typeface="+mj-lt"/>
-            </a:endParaRPr>
+              <a:rPr lang="en-GB" sz="2600" dirty="0" smtClean="0"/>
+              <a:t>Drawbacks : File Systems </a:t>
+            </a:r>
+            <a:r>
+              <a:rPr lang="en-GB" sz="2600" dirty="0"/>
+              <a:t>to store </a:t>
+            </a:r>
+            <a:r>
+              <a:rPr lang="en-GB" sz="2600" dirty="0" smtClean="0"/>
+              <a:t>&amp; </a:t>
+            </a:r>
+            <a:r>
+              <a:rPr lang="en-GB" sz="2600" dirty="0"/>
+              <a:t>manage </a:t>
+            </a:r>
+            <a:r>
+              <a:rPr lang="en-GB" sz="2600" dirty="0" smtClean="0"/>
+              <a:t>data </a:t>
+            </a:r>
+            <a:r>
+              <a:rPr lang="en-GB" sz="2600" dirty="0"/>
+              <a:t/>
+            </a:r>
+            <a:br>
+              <a:rPr lang="en-GB" sz="2600" dirty="0"/>
+            </a:br>
+            <a:endParaRPr lang="en-IN" sz="2600" dirty="0"/>
           </a:p>
         </p:txBody>
       </p:sp>
@@ -7909,125 +8674,113 @@
             <p:ph idx="1"/>
           </p:nvPr>
         </p:nvSpPr>
-        <p:spPr>
-          <a:xfrm>
-            <a:off x="535231" y="1511196"/>
-            <a:ext cx="7772400" cy="4832176"/>
-          </a:xfrm>
-        </p:spPr>
+        <p:spPr/>
         <p:txBody>
           <a:bodyPr>
-            <a:normAutofit fontScale="92500"/>
+            <a:normAutofit lnSpcReduction="10000"/>
           </a:bodyPr>
           <a:lstStyle/>
           <a:p>
-            <a:pPr algn="just">
+            <a:pPr fontAlgn="ctr">
               <a:lnSpc>
-                <a:spcPct val="210000"/>
+                <a:spcPct val="150000"/>
               </a:lnSpc>
             </a:pPr>
             <a:r>
-              <a:rPr lang="en-IN" sz="2400" b="1" dirty="0" smtClean="0">
-                <a:latin typeface="+mn-lt"/>
-                <a:cs typeface="+mn-lt"/>
-              </a:rPr>
-              <a:t>Airlines</a:t>
-            </a:r>
-            <a:r>
-              <a:rPr lang="en-IN" sz="2400" dirty="0" smtClean="0">
-                <a:latin typeface="+mn-lt"/>
-                <a:cs typeface="+mn-lt"/>
-              </a:rPr>
-              <a:t>: reservations, schedules, etc</a:t>
-            </a:r>
-          </a:p>
-          <a:p>
-            <a:pPr algn="just">
+              <a:rPr lang="en-GB" dirty="0"/>
+              <a:t>R</a:t>
+            </a:r>
+            <a:r>
+              <a:rPr lang="en-GB" dirty="0" smtClean="0"/>
+              <a:t>edundancy </a:t>
+            </a:r>
+            <a:r>
+              <a:rPr lang="en-GB" dirty="0"/>
+              <a:t>and inconsistency.</a:t>
+            </a:r>
+          </a:p>
+          <a:p>
+            <a:pPr fontAlgn="ctr">
               <a:lnSpc>
-                <a:spcPct val="210000"/>
+                <a:spcPct val="150000"/>
               </a:lnSpc>
             </a:pPr>
             <a:r>
-              <a:rPr lang="en-IN" sz="2400" b="1" dirty="0" smtClean="0">
-                <a:latin typeface="+mn-lt"/>
-                <a:cs typeface="+mn-lt"/>
-              </a:rPr>
-              <a:t>Telecom</a:t>
-            </a:r>
-            <a:r>
-              <a:rPr lang="en-IN" sz="2400" dirty="0" smtClean="0">
-                <a:latin typeface="+mn-lt"/>
-                <a:cs typeface="+mn-lt"/>
-              </a:rPr>
-              <a:t>: calls made, customer details, network usage, etc</a:t>
-            </a:r>
-          </a:p>
-          <a:p>
-            <a:pPr algn="just">
+              <a:rPr lang="en-GB" dirty="0"/>
+              <a:t>D</a:t>
+            </a:r>
+            <a:r>
+              <a:rPr lang="en-GB" dirty="0" smtClean="0"/>
+              <a:t>ifficulty </a:t>
+            </a:r>
+            <a:r>
+              <a:rPr lang="en-GB" dirty="0"/>
+              <a:t>in accessing the data</a:t>
+            </a:r>
+          </a:p>
+          <a:p>
+            <a:pPr fontAlgn="ctr">
               <a:lnSpc>
-                <a:spcPct val="210000"/>
+                <a:spcPct val="150000"/>
               </a:lnSpc>
             </a:pPr>
             <a:r>
-              <a:rPr lang="en-IN" sz="2400" b="1" dirty="0" smtClean="0">
-                <a:latin typeface="+mn-lt"/>
-                <a:cs typeface="+mn-lt"/>
-              </a:rPr>
-              <a:t>Universities</a:t>
-            </a:r>
-            <a:r>
-              <a:rPr lang="en-IN" sz="2400" dirty="0" smtClean="0">
-                <a:latin typeface="+mn-lt"/>
-                <a:cs typeface="+mn-lt"/>
-              </a:rPr>
-              <a:t>: registration, results, grades, etc</a:t>
-            </a:r>
-          </a:p>
-          <a:p>
-            <a:pPr algn="just">
+              <a:rPr lang="en-GB" dirty="0"/>
+              <a:t>Integrity</a:t>
+            </a:r>
+          </a:p>
+          <a:p>
+            <a:pPr fontAlgn="ctr">
               <a:lnSpc>
-                <a:spcPct val="210000"/>
+                <a:spcPct val="150000"/>
               </a:lnSpc>
             </a:pPr>
             <a:r>
-              <a:rPr lang="en-IN" sz="2400" b="1" dirty="0" smtClean="0">
-                <a:latin typeface="+mn-lt"/>
-                <a:cs typeface="+mn-lt"/>
-              </a:rPr>
-              <a:t>Sales</a:t>
-            </a:r>
-            <a:r>
-              <a:rPr lang="en-IN" sz="2400" dirty="0" smtClean="0">
-                <a:latin typeface="+mn-lt"/>
-                <a:cs typeface="+mn-lt"/>
-              </a:rPr>
-              <a:t>: products, purchases, customers, etc</a:t>
-            </a:r>
-          </a:p>
-          <a:p>
-            <a:pPr algn="just">
+              <a:rPr lang="en-GB" dirty="0"/>
+              <a:t>Atomicity :  either that operation happens or  if it happens then it happens in full in totality, whereas otherwise it may not happen at all.</a:t>
+            </a:r>
+          </a:p>
+          <a:p>
+            <a:pPr fontAlgn="ctr">
               <a:lnSpc>
-                <a:spcPct val="210000"/>
+                <a:spcPct val="150000"/>
               </a:lnSpc>
             </a:pPr>
             <a:r>
-              <a:rPr lang="en-IN" sz="2400" b="1" dirty="0" smtClean="0">
-                <a:latin typeface="+mn-lt"/>
-                <a:cs typeface="+mn-lt"/>
-              </a:rPr>
-              <a:t>Banking</a:t>
-            </a:r>
-            <a:r>
-              <a:rPr lang="en-IN" sz="2400" dirty="0" smtClean="0">
-                <a:latin typeface="+mn-lt"/>
-                <a:cs typeface="+mn-lt"/>
-              </a:rPr>
-              <a:t>: all transactions etc</a:t>
-            </a:r>
+              <a:rPr lang="en-GB" dirty="0"/>
+              <a:t>C</a:t>
+            </a:r>
+            <a:r>
+              <a:rPr lang="en-GB" dirty="0" smtClean="0"/>
+              <a:t>oncurrency </a:t>
+            </a:r>
+            <a:r>
+              <a:rPr lang="en-GB" dirty="0"/>
+              <a:t>of access</a:t>
+            </a:r>
+          </a:p>
+          <a:p>
+            <a:pPr fontAlgn="ctr">
+              <a:lnSpc>
+                <a:spcPct val="150000"/>
+              </a:lnSpc>
+            </a:pPr>
+            <a:r>
+              <a:rPr lang="en-GB" dirty="0"/>
+              <a:t>Security</a:t>
+            </a:r>
+          </a:p>
+          <a:p>
+            <a:endParaRPr lang="en-IN" dirty="0"/>
           </a:p>
         </p:txBody>
       </p:sp>
     </p:spTree>
+    <p:extLst>
+      <p:ext uri="{BB962C8B-B14F-4D97-AF65-F5344CB8AC3E}">
+        <p14:creationId xmlns:p14="http://schemas.microsoft.com/office/powerpoint/2010/main" val="816609993"/>
+      </p:ext>
+    </p:extLst>
   </p:cSld>
   <p:clrMapOvr>
     <a:masterClrMapping/>
@@ -8071,12 +8824,14 @@
         </p:nvSpPr>
         <p:spPr>
           <a:xfrm>
-            <a:off x="762000" y="152400"/>
-            <a:ext cx="7315200" cy="685800"/>
-          </a:xfrm>
-        </p:spPr>
-        <p:txBody>
-          <a:bodyPr/>
+            <a:off x="761999" y="245745"/>
+            <a:ext cx="7192645" cy="516255"/>
+          </a:xfrm>
+        </p:spPr>
+        <p:txBody>
+          <a:bodyPr>
+            <a:normAutofit fontScale="90000"/>
+          </a:bodyPr>
           <a:lstStyle/>
           <a:p>
             <a:r>
@@ -8085,8 +8840,13 @@
                 <a:cs typeface="+mn-lt"/>
                 <a:sym typeface="+mn-ea"/>
               </a:rPr>
-              <a:t>DBMS Database Models</a:t>
-            </a:r>
+              <a:t>Areas where DBMS are used</a:t>
+            </a:r>
+            <a:endParaRPr lang="en-US" altLang="en-US" sz="3200" dirty="0">
+              <a:latin typeface="+mj-lt"/>
+              <a:ea typeface="Noto Serif CJK JP" panose="02020400000000000000" charset="-122"/>
+              <a:cs typeface="+mj-lt"/>
+            </a:endParaRPr>
           </a:p>
         </p:txBody>
       </p:sp>
@@ -8107,97 +8867,113 @@
           </a:xfrm>
         </p:spPr>
         <p:txBody>
-          <a:bodyPr/>
+          <a:bodyPr>
+            <a:normAutofit fontScale="92500"/>
+          </a:bodyPr>
           <a:lstStyle/>
           <a:p>
             <a:pPr algn="just">
               <a:lnSpc>
-                <a:spcPct val="120000"/>
+                <a:spcPct val="210000"/>
               </a:lnSpc>
             </a:pPr>
+            <a:r>
+              <a:rPr lang="en-IN" sz="2400" b="1" dirty="0" smtClean="0">
+                <a:latin typeface="+mn-lt"/>
+                <a:cs typeface="+mn-lt"/>
+              </a:rPr>
+              <a:t>Airlines</a:t>
+            </a:r>
             <a:r>
               <a:rPr lang="en-IN" sz="2400" dirty="0" smtClean="0">
                 <a:latin typeface="+mn-lt"/>
                 <a:cs typeface="+mn-lt"/>
               </a:rPr>
-              <a:t>Database model defines the logical design and structure of a database </a:t>
+              <a:t>: reservations, schedules, etc</a:t>
             </a:r>
           </a:p>
           <a:p>
             <a:pPr algn="just">
               <a:lnSpc>
-                <a:spcPct val="120000"/>
+                <a:spcPct val="210000"/>
               </a:lnSpc>
             </a:pPr>
             <a:r>
-              <a:rPr lang="" sz="2400" dirty="0" smtClean="0">
+              <a:rPr lang="en-IN" sz="2400" b="1" dirty="0" smtClean="0">
                 <a:latin typeface="+mn-lt"/>
                 <a:cs typeface="+mn-lt"/>
               </a:rPr>
-              <a:t>defines </a:t>
-            </a:r>
-            <a:r>
-              <a:rPr sz="2400" dirty="0" smtClean="0">
-                <a:latin typeface="+mn-lt"/>
-                <a:cs typeface="+mn-lt"/>
-              </a:rPr>
-              <a:t> the relationships and constraints that determine how data can be stored and accessed</a:t>
-            </a:r>
-          </a:p>
-          <a:p>
-            <a:pPr algn="just">
-              <a:lnSpc>
-                <a:spcPct val="120000"/>
-              </a:lnSpc>
-            </a:pPr>
+              <a:t>Telecom</a:t>
+            </a:r>
             <a:r>
               <a:rPr lang="en-IN" sz="2400" dirty="0" smtClean="0">
                 <a:latin typeface="+mn-lt"/>
                 <a:cs typeface="+mn-lt"/>
               </a:rPr>
-              <a:t>While the Relational Model is the most widely used database model, there are other models too:</a:t>
-            </a:r>
-          </a:p>
-          <a:p>
-            <a:pPr lvl="1" algn="just">
+              <a:t>: calls made, customer details, network usage, etc</a:t>
+            </a:r>
+          </a:p>
+          <a:p>
+            <a:pPr algn="just">
               <a:lnSpc>
-                <a:spcPct val="120000"/>
+                <a:spcPct val="210000"/>
               </a:lnSpc>
             </a:pPr>
             <a:r>
-              <a:rPr lang="en-IN" sz="2100" dirty="0" smtClean="0">
+              <a:rPr lang="en-IN" sz="2400" b="1" dirty="0" smtClean="0">
                 <a:latin typeface="+mn-lt"/>
                 <a:cs typeface="+mn-lt"/>
               </a:rPr>
-              <a:t>Hierarchical Model</a:t>
-            </a:r>
-          </a:p>
-          <a:p>
-            <a:pPr lvl="1" algn="just">
-              <a:lnSpc>
-                <a:spcPct val="120000"/>
-              </a:lnSpc>
-            </a:pPr>
-            <a:r>
-              <a:rPr lang="en-IN" sz="2100" dirty="0" smtClean="0">
+              <a:t>Universities</a:t>
+            </a:r>
+            <a:r>
+              <a:rPr lang="en-IN" sz="2400" dirty="0" smtClean="0">
                 <a:latin typeface="+mn-lt"/>
                 <a:cs typeface="+mn-lt"/>
               </a:rPr>
-              <a:t>Network Model</a:t>
-            </a:r>
-          </a:p>
-          <a:p>
-            <a:pPr lvl="1" algn="just">
+              <a:t>: registration, results, grades, etc</a:t>
+            </a:r>
+          </a:p>
+          <a:p>
+            <a:pPr algn="just">
               <a:lnSpc>
-                <a:spcPct val="120000"/>
+                <a:spcPct val="210000"/>
               </a:lnSpc>
             </a:pPr>
             <a:r>
-              <a:rPr lang="en-IN" sz="2100" dirty="0" smtClean="0">
+              <a:rPr lang="en-IN" sz="2400" b="1" dirty="0" smtClean="0">
                 <a:latin typeface="+mn-lt"/>
                 <a:cs typeface="+mn-lt"/>
               </a:rPr>
-              <a:t>Relational Model</a:t>
+              <a:t>Sales</a:t>
+            </a:r>
+            <a:r>
+              <a:rPr lang="en-IN" sz="2400" dirty="0" smtClean="0">
+                <a:latin typeface="+mn-lt"/>
+                <a:cs typeface="+mn-lt"/>
+              </a:rPr>
+              <a:t>: products, purchases, customers, etc</a:t>
+            </a:r>
+          </a:p>
+          <a:p>
+            <a:pPr algn="just">
+              <a:lnSpc>
+                <a:spcPct val="210000"/>
+              </a:lnSpc>
+            </a:pPr>
+            <a:r>
+              <a:rPr lang="en-IN" sz="2400" b="1" dirty="0" smtClean="0">
+                <a:latin typeface="+mn-lt"/>
+                <a:cs typeface="+mn-lt"/>
+              </a:rPr>
+              <a:t>Banking</a:t>
+            </a:r>
+            <a:r>
+              <a:rPr lang="en-IN" sz="2400" dirty="0" smtClean="0">
+                <a:latin typeface="+mn-lt"/>
+                <a:cs typeface="+mn-lt"/>
+              </a:rPr>
+              <a:t>: all transactions etc</a:t>
             </a:r>
           </a:p>
         </p:txBody>
@@ -8244,24 +9020,24 @@
             <p:ph type="title"/>
           </p:nvPr>
         </p:nvSpPr>
-        <p:spPr>
-          <a:xfrm>
-            <a:off x="685799" y="245745"/>
-            <a:ext cx="7268845" cy="592455"/>
-          </a:xfrm>
-        </p:spPr>
+        <p:spPr/>
         <p:txBody>
           <a:bodyPr/>
           <a:lstStyle/>
           <a:p>
             <a:r>
-              <a:rPr lang="en-IN" sz="3200" dirty="0">
-                <a:latin typeface="+mn-lt"/>
+              <a:rPr lang="" altLang="en-IN" dirty="0">
                 <a:cs typeface="+mn-lt"/>
-                <a:sym typeface="+mn-ea"/>
               </a:rPr>
-              <a:t>Hierarchical Model</a:t>
-            </a:r>
+              <a:t>T</a:t>
+            </a:r>
+            <a:r>
+              <a:rPr lang="en-IN" dirty="0">
+                <a:cs typeface="+mn-lt"/>
+              </a:rPr>
+              <a:t>hree level of abstraction</a:t>
+            </a:r>
+            <a:endParaRPr lang="en-IN" dirty="0"/>
           </a:p>
         </p:txBody>
       </p:sp>
@@ -8275,92 +9051,127 @@
             <p:ph idx="1"/>
           </p:nvPr>
         </p:nvSpPr>
-        <p:spPr>
-          <a:xfrm>
-            <a:off x="535305" y="1511300"/>
-            <a:ext cx="8020685" cy="5052060"/>
-          </a:xfrm>
-        </p:spPr>
-        <p:txBody>
-          <a:bodyPr/>
+        <p:spPr/>
+        <p:txBody>
+          <a:bodyPr>
+            <a:normAutofit/>
+          </a:bodyPr>
           <a:lstStyle/>
           <a:p>
             <a:pPr algn="just">
               <a:lnSpc>
-                <a:spcPct val="120000"/>
+                <a:spcPct val="100000"/>
               </a:lnSpc>
             </a:pPr>
             <a:r>
-              <a:rPr lang="en-US" altLang="en-IN" sz="2400" dirty="0" smtClean="0">
-                <a:latin typeface="+mn-lt"/>
-                <a:cs typeface="+mn-lt"/>
-              </a:rPr>
-              <a:t>O</a:t>
-            </a:r>
-            <a:r>
-              <a:rPr lang="en-IN" sz="2400" dirty="0" smtClean="0">
-                <a:latin typeface="+mn-lt"/>
-                <a:cs typeface="+mn-lt"/>
-              </a:rPr>
-              <a:t>rganises data into a tree-like-structure</a:t>
-            </a:r>
-          </a:p>
-          <a:p>
-            <a:pPr algn="just">
+              <a:rPr lang="en-IN" b="1" dirty="0"/>
+              <a:t>P</a:t>
+            </a:r>
+            <a:r>
+              <a:rPr lang="en-IN" b="1" dirty="0" smtClean="0"/>
+              <a:t>hysical </a:t>
+            </a:r>
+            <a:r>
+              <a:rPr lang="en-IN" b="1" dirty="0"/>
+              <a:t>level </a:t>
+            </a:r>
+            <a:r>
+              <a:rPr lang="en-IN" dirty="0"/>
+              <a:t>which describes how a record is actually stored, so that is about the physical storage in the system</a:t>
+            </a:r>
+            <a:r>
+              <a:rPr lang="en-IN" dirty="0" smtClean="0"/>
+              <a:t>.</a:t>
+            </a:r>
+          </a:p>
+          <a:p>
+            <a:pPr lvl="1" algn="just" fontAlgn="ctr">
               <a:lnSpc>
-                <a:spcPct val="120000"/>
+                <a:spcPct val="100000"/>
               </a:lnSpc>
             </a:pPr>
             <a:r>
-              <a:rPr lang="en-US" altLang="en-IN" sz="2400" dirty="0" smtClean="0">
-                <a:latin typeface="+mn-lt"/>
-                <a:cs typeface="+mn-lt"/>
-              </a:rPr>
-              <a:t>A </a:t>
-            </a:r>
-            <a:r>
-              <a:rPr lang="en-IN" sz="2400" dirty="0" smtClean="0">
-                <a:latin typeface="+mn-lt"/>
-                <a:cs typeface="+mn-lt"/>
-              </a:rPr>
-              <a:t>single root, to which all the other data is linked. The heirarchy starts from the Root data, and expands like a tree, adding child nodes to the parent nodes.</a:t>
-            </a:r>
-          </a:p>
-          <a:p>
-            <a:pPr algn="just">
+              <a:rPr lang="en-IN" dirty="0"/>
+              <a:t>Physical level typically is in terms of database files is binary in nature, the organization of those </a:t>
+            </a:r>
+            <a:r>
+              <a:rPr lang="en-IN" dirty="0" smtClean="0"/>
+              <a:t>files(</a:t>
+            </a:r>
+            <a:r>
+              <a:rPr lang="en-IN" dirty="0"/>
+              <a:t> B+ trees, hashing </a:t>
+            </a:r>
+            <a:r>
+              <a:rPr lang="en-IN" dirty="0" smtClean="0"/>
+              <a:t>). </a:t>
+            </a:r>
+          </a:p>
+          <a:p>
+            <a:pPr algn="just" fontAlgn="ctr">
               <a:lnSpc>
-                <a:spcPct val="120000"/>
+                <a:spcPct val="100000"/>
               </a:lnSpc>
             </a:pPr>
             <a:r>
-              <a:rPr lang="en-US" altLang="en-IN" sz="2400" dirty="0" smtClean="0">
-                <a:latin typeface="+mn-lt"/>
-                <a:cs typeface="+mn-lt"/>
-              </a:rPr>
-              <a:t>M</a:t>
-            </a:r>
-            <a:r>
-              <a:rPr lang="en-IN" sz="2400" dirty="0" smtClean="0">
-                <a:latin typeface="+mn-lt"/>
-                <a:cs typeface="+mn-lt"/>
-              </a:rPr>
-              <a:t>odel efficiently describes many real-world relationships like index of a book, recipes etc.</a:t>
-            </a:r>
-          </a:p>
-          <a:p>
-            <a:pPr algn="just">
+              <a:rPr lang="en-IN" b="1" dirty="0"/>
+              <a:t>Logical level </a:t>
+            </a:r>
+            <a:r>
+              <a:rPr lang="en-IN" dirty="0"/>
+              <a:t>which describes the data stored in databases and its relationship amongst the data</a:t>
+            </a:r>
+            <a:r>
+              <a:rPr lang="en-IN" dirty="0" smtClean="0"/>
+              <a:t>.</a:t>
+            </a:r>
+          </a:p>
+          <a:p>
+            <a:pPr lvl="1" algn="just" fontAlgn="ctr">
               <a:lnSpc>
-                <a:spcPct val="120000"/>
+                <a:spcPct val="100000"/>
               </a:lnSpc>
             </a:pPr>
-            <a:endParaRPr lang="en-IN" sz="2400" dirty="0" smtClean="0">
-              <a:latin typeface="+mn-lt"/>
-              <a:cs typeface="+mn-lt"/>
-            </a:endParaRPr>
+            <a:r>
+              <a:rPr lang="en-IN" dirty="0"/>
+              <a:t>The logical level deals with the records and the different fields of the records the schema of the database </a:t>
+            </a:r>
+          </a:p>
+          <a:p>
+            <a:pPr algn="just" fontAlgn="ctr">
+              <a:lnSpc>
+                <a:spcPct val="100000"/>
+              </a:lnSpc>
+            </a:pPr>
+            <a:r>
+              <a:rPr lang="en-IN" dirty="0"/>
+              <a:t>Topmost level is called the </a:t>
+            </a:r>
+            <a:r>
+              <a:rPr lang="en-IN" b="1" dirty="0"/>
+              <a:t>view level </a:t>
+            </a:r>
+            <a:r>
+              <a:rPr lang="en-IN" dirty="0"/>
+              <a:t>where the application program tries to view the data.</a:t>
+            </a:r>
+          </a:p>
+          <a:p>
+            <a:pPr>
+              <a:lnSpc>
+                <a:spcPct val="100000"/>
+              </a:lnSpc>
+            </a:pPr>
+            <a:endParaRPr lang="en-IN" dirty="0"/>
           </a:p>
         </p:txBody>
       </p:sp>
     </p:spTree>
+    <p:extLst>
+      <p:ext uri="{BB962C8B-B14F-4D97-AF65-F5344CB8AC3E}">
+        <p14:creationId xmlns:p14="http://schemas.microsoft.com/office/powerpoint/2010/main" val="2548078826"/>
+      </p:ext>
+    </p:extLst>
   </p:cSld>
   <p:clrMapOvr>
     <a:masterClrMapping/>
@@ -8402,32 +9213,22 @@
             <p:ph type="title"/>
           </p:nvPr>
         </p:nvSpPr>
-        <p:spPr>
-          <a:xfrm>
-            <a:off x="761999" y="245745"/>
-            <a:ext cx="7192645" cy="516255"/>
-          </a:xfrm>
-        </p:spPr>
-        <p:txBody>
-          <a:bodyPr>
-            <a:normAutofit fontScale="90000"/>
-          </a:bodyPr>
-          <a:lstStyle/>
-          <a:p>
-            <a:r>
-              <a:rPr lang="en-IN" sz="3200" dirty="0">
-                <a:latin typeface="+mn-lt"/>
-                <a:cs typeface="+mn-lt"/>
-                <a:sym typeface="+mn-ea"/>
-              </a:rPr>
-              <a:t>Hierarchical Model</a:t>
-            </a:r>
+        <p:spPr/>
+        <p:txBody>
+          <a:bodyPr/>
+          <a:lstStyle/>
+          <a:p>
+            <a:r>
+              <a:rPr lang="en-IN" dirty="0" smtClean="0"/>
+              <a:t>Three Level of Abstraction</a:t>
+            </a:r>
+            <a:endParaRPr lang="en-IN" dirty="0"/>
           </a:p>
         </p:txBody>
       </p:sp>
       <p:pic>
         <p:nvPicPr>
-          <p:cNvPr id="5" name="Content Placeholder 4" descr="hierarchical-model"/>
+          <p:cNvPr id="4" name="Content Placeholder 3"/>
           <p:cNvPicPr>
             <a:picLocks noGrp="1" noChangeAspect="1"/>
           </p:cNvPicPr>
@@ -8438,8 +9239,8 @@
         <p:blipFill>
           <a:blip r:embed="rId2">
             <a:extLst>
-              <a:ext uri="{96DAC541-7B7A-43D3-8B79-37D633B846F1}">
-                <asvg:svgBlip xmlns="" xmlns:asvg="http://schemas.microsoft.com/office/drawing/2016/SVG/main" r:embed="rId3"/>
+              <a:ext uri="{28A0092B-C50C-407E-A947-70E740481C1C}">
+                <a14:useLocalDpi xmlns:a14="http://schemas.microsoft.com/office/drawing/2010/main" val="0"/>
               </a:ext>
             </a:extLst>
           </a:blip>
@@ -8449,15 +9250,17 @@
         </p:blipFill>
         <p:spPr>
           <a:xfrm>
-            <a:off x="264795" y="1950085"/>
-            <a:ext cx="8470265" cy="3970655"/>
-          </a:xfrm>
-          <a:prstGeom prst="rect">
-            <a:avLst/>
-          </a:prstGeom>
+            <a:off x="1828800" y="1219199"/>
+            <a:ext cx="5715000" cy="4680857"/>
+          </a:xfrm>
         </p:spPr>
       </p:pic>
     </p:spTree>
+    <p:extLst>
+      <p:ext uri="{BB962C8B-B14F-4D97-AF65-F5344CB8AC3E}">
+        <p14:creationId xmlns:p14="http://schemas.microsoft.com/office/powerpoint/2010/main" val="3506246693"/>
+      </p:ext>
+    </p:extLst>
   </p:cSld>
   <p:clrMapOvr>
     <a:masterClrMapping/>
